--- a/Gamification.pptx
+++ b/Gamification.pptx
@@ -5,10 +5,10 @@
     <p:sldMasterId id="2147483648" r:id="rId1"/>
   </p:sldMasterIdLst>
   <p:notesMasterIdLst>
-    <p:notesMasterId r:id="rId18"/>
+    <p:notesMasterId r:id="rId19"/>
   </p:notesMasterIdLst>
   <p:handoutMasterIdLst>
-    <p:handoutMasterId r:id="rId19"/>
+    <p:handoutMasterId r:id="rId20"/>
   </p:handoutMasterIdLst>
   <p:sldIdLst>
     <p:sldId id="256" r:id="rId2"/>
@@ -23,10 +23,11 @@
     <p:sldId id="266" r:id="rId11"/>
     <p:sldId id="272" r:id="rId12"/>
     <p:sldId id="278" r:id="rId13"/>
-    <p:sldId id="277" r:id="rId14"/>
-    <p:sldId id="276" r:id="rId15"/>
-    <p:sldId id="269" r:id="rId16"/>
-    <p:sldId id="267" r:id="rId17"/>
+    <p:sldId id="279" r:id="rId14"/>
+    <p:sldId id="277" r:id="rId15"/>
+    <p:sldId id="276" r:id="rId16"/>
+    <p:sldId id="269" r:id="rId17"/>
+    <p:sldId id="267" r:id="rId18"/>
   </p:sldIdLst>
   <p:sldSz cx="12192000" cy="6858000"/>
   <p:notesSz cx="6858000" cy="9144000"/>
@@ -127,7 +128,18 @@
   </p:defaultTextStyle>
   <p:extLst>
     <p:ext uri="{EFAFB233-063F-42B5-8137-9DF3F51BA10A}">
-      <p15:sldGuideLst xmlns:p15="http://schemas.microsoft.com/office/powerpoint/2012/main" xmlns=""/>
+      <p15:sldGuideLst xmlns:p15="http://schemas.microsoft.com/office/powerpoint/2012/main">
+        <p15:guide id="1" orient="horz" pos="2160">
+          <p15:clr>
+            <a:srgbClr val="A4A3A4"/>
+          </p15:clr>
+        </p15:guide>
+        <p15:guide id="2" pos="3840">
+          <p15:clr>
+            <a:srgbClr val="A4A3A4"/>
+          </p15:clr>
+        </p15:guide>
+      </p15:sldGuideLst>
     </p:ext>
   </p:extLst>
 </p:presentation>
@@ -216,7 +228,7 @@
             <a:fld id="{A6860AC5-F5F5-4B16-94ED-412EC0D51E9A}" type="datetimeFigureOut">
               <a:rPr lang="en-US" smtClean="0"/>
               <a:pPr/>
-              <a:t>4/10/2016</a:t>
+              <a:t>5/23/2016</a:t>
             </a:fld>
             <a:endParaRPr lang="en-US"/>
           </a:p>
@@ -287,7 +299,7 @@
             <a:fld id="{12E4CE09-8848-4275-89ED-E9170AA2B90F}" type="slidenum">
               <a:rPr lang="en-US" smtClean="0"/>
               <a:pPr/>
-              <a:t>‹Nr.›</a:t>
+              <a:t>‹#›</a:t>
             </a:fld>
             <a:endParaRPr lang="en-US"/>
           </a:p>
@@ -296,7 +308,7 @@
     </p:spTree>
     <p:extLst>
       <p:ext uri="{BB962C8B-B14F-4D97-AF65-F5344CB8AC3E}">
-        <p14:creationId xmlns:p14="http://schemas.microsoft.com/office/powerpoint/2010/main" xmlns="" val="3783859820"/>
+        <p14:creationId xmlns:p14="http://schemas.microsoft.com/office/powerpoint/2010/main" val="3783859820"/>
       </p:ext>
     </p:extLst>
   </p:cSld>
@@ -388,7 +400,7 @@
             <a:fld id="{EDADD6D4-8DA6-4BD9-91E1-7D4265CE7A0A}" type="datetimeFigureOut">
               <a:rPr lang="en-US" smtClean="0"/>
               <a:pPr/>
-              <a:t>4/10/2016</a:t>
+              <a:t>5/23/2016</a:t>
             </a:fld>
             <a:endParaRPr lang="en-US"/>
           </a:p>
@@ -552,7 +564,7 @@
             <a:fld id="{44DD4473-2AD6-4740-9161-AB1193ED9A9D}" type="slidenum">
               <a:rPr lang="en-US" smtClean="0"/>
               <a:pPr/>
-              <a:t>‹Nr.›</a:t>
+              <a:t>‹#›</a:t>
             </a:fld>
             <a:endParaRPr lang="en-US"/>
           </a:p>
@@ -561,7 +573,7 @@
     </p:spTree>
     <p:extLst>
       <p:ext uri="{BB962C8B-B14F-4D97-AF65-F5344CB8AC3E}">
-        <p14:creationId xmlns:p14="http://schemas.microsoft.com/office/powerpoint/2010/main" xmlns="" val="844282370"/>
+        <p14:creationId xmlns:p14="http://schemas.microsoft.com/office/powerpoint/2010/main" val="844282370"/>
       </p:ext>
     </p:extLst>
   </p:cSld>
@@ -736,7 +748,7 @@
     </p:spTree>
     <p:extLst>
       <p:ext uri="{BB962C8B-B14F-4D97-AF65-F5344CB8AC3E}">
-        <p14:creationId xmlns:p14="http://schemas.microsoft.com/office/powerpoint/2010/main" xmlns="" val="1793487678"/>
+        <p14:creationId xmlns:p14="http://schemas.microsoft.com/office/powerpoint/2010/main" val="1793487678"/>
       </p:ext>
     </p:extLst>
   </p:cSld>
@@ -912,7 +924,7 @@
     </p:spTree>
     <p:extLst>
       <p:ext uri="{BB962C8B-B14F-4D97-AF65-F5344CB8AC3E}">
-        <p14:creationId xmlns:p14="http://schemas.microsoft.com/office/powerpoint/2010/main" xmlns="" val="3900003227"/>
+        <p14:creationId xmlns:p14="http://schemas.microsoft.com/office/powerpoint/2010/main" val="3900003227"/>
       </p:ext>
     </p:extLst>
   </p:cSld>
@@ -996,7 +1008,7 @@
     </p:spTree>
     <p:extLst>
       <p:ext uri="{BB962C8B-B14F-4D97-AF65-F5344CB8AC3E}">
-        <p14:creationId xmlns:p14="http://schemas.microsoft.com/office/powerpoint/2010/main" xmlns="" val="3303965812"/>
+        <p14:creationId xmlns:p14="http://schemas.microsoft.com/office/powerpoint/2010/main" val="3303965812"/>
       </p:ext>
     </p:extLst>
   </p:cSld>
@@ -1080,7 +1092,7 @@
     </p:spTree>
     <p:extLst>
       <p:ext uri="{BB962C8B-B14F-4D97-AF65-F5344CB8AC3E}">
-        <p14:creationId xmlns:p14="http://schemas.microsoft.com/office/powerpoint/2010/main" xmlns="" val="2945361429"/>
+        <p14:creationId xmlns:p14="http://schemas.microsoft.com/office/powerpoint/2010/main" val="2945361429"/>
       </p:ext>
     </p:extLst>
   </p:cSld>
@@ -1164,7 +1176,7 @@
     </p:spTree>
     <p:extLst>
       <p:ext uri="{BB962C8B-B14F-4D97-AF65-F5344CB8AC3E}">
-        <p14:creationId xmlns:p14="http://schemas.microsoft.com/office/powerpoint/2010/main" xmlns="" val="4015383771"/>
+        <p14:creationId xmlns:p14="http://schemas.microsoft.com/office/powerpoint/2010/main" val="4015383771"/>
       </p:ext>
     </p:extLst>
   </p:cSld>
@@ -1379,7 +1391,7 @@
     </p:spTree>
     <p:extLst>
       <p:ext uri="{BB962C8B-B14F-4D97-AF65-F5344CB8AC3E}">
-        <p14:creationId xmlns:p14="http://schemas.microsoft.com/office/powerpoint/2010/main" xmlns="" val="2682960835"/>
+        <p14:creationId xmlns:p14="http://schemas.microsoft.com/office/powerpoint/2010/main" val="2682960835"/>
       </p:ext>
     </p:extLst>
   </p:cSld>
@@ -1507,7 +1519,7 @@
     </p:spTree>
     <p:extLst>
       <p:ext uri="{BB962C8B-B14F-4D97-AF65-F5344CB8AC3E}">
-        <p14:creationId xmlns:p14="http://schemas.microsoft.com/office/powerpoint/2010/main" xmlns="" val="418981143"/>
+        <p14:creationId xmlns:p14="http://schemas.microsoft.com/office/powerpoint/2010/main" val="418981143"/>
       </p:ext>
     </p:extLst>
   </p:cSld>
@@ -1617,7 +1629,7 @@
     </p:spTree>
     <p:extLst>
       <p:ext uri="{BB962C8B-B14F-4D97-AF65-F5344CB8AC3E}">
-        <p14:creationId xmlns:p14="http://schemas.microsoft.com/office/powerpoint/2010/main" xmlns="" val="4256785813"/>
+        <p14:creationId xmlns:p14="http://schemas.microsoft.com/office/powerpoint/2010/main" val="4256785813"/>
       </p:ext>
     </p:extLst>
   </p:cSld>
@@ -1915,7 +1927,7 @@
     </p:spTree>
     <p:extLst>
       <p:ext uri="{BB962C8B-B14F-4D97-AF65-F5344CB8AC3E}">
-        <p14:creationId xmlns:p14="http://schemas.microsoft.com/office/powerpoint/2010/main" xmlns="" val="2571584623"/>
+        <p14:creationId xmlns:p14="http://schemas.microsoft.com/office/powerpoint/2010/main" val="2571584623"/>
       </p:ext>
     </p:extLst>
   </p:cSld>
@@ -1999,7 +2011,7 @@
     </p:spTree>
     <p:extLst>
       <p:ext uri="{BB962C8B-B14F-4D97-AF65-F5344CB8AC3E}">
-        <p14:creationId xmlns:p14="http://schemas.microsoft.com/office/powerpoint/2010/main" xmlns="" val="1880698916"/>
+        <p14:creationId xmlns:p14="http://schemas.microsoft.com/office/powerpoint/2010/main" val="1880698916"/>
       </p:ext>
     </p:extLst>
   </p:cSld>
@@ -2083,7 +2095,7 @@
     </p:spTree>
     <p:extLst>
       <p:ext uri="{BB962C8B-B14F-4D97-AF65-F5344CB8AC3E}">
-        <p14:creationId xmlns:p14="http://schemas.microsoft.com/office/powerpoint/2010/main" xmlns="" val="2895022458"/>
+        <p14:creationId xmlns:p14="http://schemas.microsoft.com/office/powerpoint/2010/main" val="2895022458"/>
       </p:ext>
     </p:extLst>
   </p:cSld>
@@ -2167,7 +2179,7 @@
     </p:spTree>
     <p:extLst>
       <p:ext uri="{BB962C8B-B14F-4D97-AF65-F5344CB8AC3E}">
-        <p14:creationId xmlns:p14="http://schemas.microsoft.com/office/powerpoint/2010/main" xmlns="" val="2895022458"/>
+        <p14:creationId xmlns:p14="http://schemas.microsoft.com/office/powerpoint/2010/main" val="2895022458"/>
       </p:ext>
     </p:extLst>
   </p:cSld>
@@ -2206,7 +2218,7 @@
           <a:blip r:embed="rId2">
             <a:extLst>
               <a:ext uri="{28A0092B-C50C-407E-A947-70E740481C1C}">
-                <a14:useLocalDpi xmlns:a14="http://schemas.microsoft.com/office/drawing/2010/main" xmlns="" val="0"/>
+                <a14:useLocalDpi xmlns:a14="http://schemas.microsoft.com/office/drawing/2010/main" val="0"/>
               </a:ext>
             </a:extLst>
           </a:blip>
@@ -2236,7 +2248,7 @@
           <a:blip r:embed="rId3">
             <a:extLst>
               <a:ext uri="{28A0092B-C50C-407E-A947-70E740481C1C}">
-                <a14:useLocalDpi xmlns:a14="http://schemas.microsoft.com/office/drawing/2010/main" xmlns="" val="0"/>
+                <a14:useLocalDpi xmlns:a14="http://schemas.microsoft.com/office/drawing/2010/main" val="0"/>
               </a:ext>
             </a:extLst>
           </a:blip>
@@ -2452,7 +2464,7 @@
             <a:fld id="{785558A7-58E9-46C6-B986-008C1C7F26E1}" type="datetime1">
               <a:rPr lang="en-US" smtClean="0"/>
               <a:pPr/>
-              <a:t>4/10/2016</a:t>
+              <a:t>5/23/2016</a:t>
             </a:fld>
             <a:endParaRPr lang="en-US" dirty="0"/>
           </a:p>
@@ -2500,7 +2512,7 @@
             <a:fld id="{6D22F896-40B5-4ADD-8801-0D06FADFA095}" type="slidenum">
               <a:rPr lang="en-US" dirty="0"/>
               <a:pPr/>
-              <a:t>‹Nr.›</a:t>
+              <a:t>‹#›</a:t>
             </a:fld>
             <a:endParaRPr lang="en-US" dirty="0"/>
           </a:p>
@@ -2535,13 +2547,13 @@
   <p:clrMapOvr>
     <a:masterClrMapping/>
   </p:clrMapOvr>
-  <mc:AlternateContent xmlns:mc="http://schemas.openxmlformats.org/markup-compatibility/2006">
-    <mc:Choice xmlns:p14="http://schemas.microsoft.com/office/powerpoint/2010/main" xmlns="" Requires="p14">
+  <mc:AlternateContent xmlns:mc="http://schemas.openxmlformats.org/markup-compatibility/2006" xmlns:p14="http://schemas.microsoft.com/office/powerpoint/2010/main">
+    <mc:Choice Requires="p14">
       <p:transition spd="slow">
         <p14:prism isContent="1"/>
       </p:transition>
     </mc:Choice>
-    <mc:Fallback>
+    <mc:Fallback xmlns="">
       <p:transition spd="slow">
         <p:fade/>
       </p:transition>
@@ -2586,7 +2598,7 @@
           <a:blip r:embed="rId2">
             <a:extLst>
               <a:ext uri="{28A0092B-C50C-407E-A947-70E740481C1C}">
-                <a14:useLocalDpi xmlns:a14="http://schemas.microsoft.com/office/drawing/2010/main" xmlns="" val="0"/>
+                <a14:useLocalDpi xmlns:a14="http://schemas.microsoft.com/office/drawing/2010/main" val="0"/>
               </a:ext>
             </a:extLst>
           </a:blip>
@@ -2616,7 +2628,7 @@
           <a:blip r:embed="rId3">
             <a:extLst>
               <a:ext uri="{28A0092B-C50C-407E-A947-70E740481C1C}">
-                <a14:useLocalDpi xmlns:a14="http://schemas.microsoft.com/office/drawing/2010/main" xmlns="" val="0"/>
+                <a14:useLocalDpi xmlns:a14="http://schemas.microsoft.com/office/drawing/2010/main" val="0"/>
               </a:ext>
             </a:extLst>
           </a:blip>
@@ -2906,7 +2918,7 @@
             <a:fld id="{A885B83F-6899-4FF9-8E74-2FF842784733}" type="datetime1">
               <a:rPr lang="en-US" smtClean="0"/>
               <a:pPr/>
-              <a:t>4/10/2016</a:t>
+              <a:t>5/23/2016</a:t>
             </a:fld>
             <a:endParaRPr lang="en-US" dirty="0"/>
           </a:p>
@@ -2954,7 +2966,7 @@
             <a:fld id="{6D22F896-40B5-4ADD-8801-0D06FADFA095}" type="slidenum">
               <a:rPr lang="en-US" dirty="0"/>
               <a:pPr/>
-              <a:t>‹Nr.›</a:t>
+              <a:t>‹#›</a:t>
             </a:fld>
             <a:endParaRPr lang="en-US" dirty="0"/>
           </a:p>
@@ -2965,13 +2977,13 @@
   <p:clrMapOvr>
     <a:masterClrMapping/>
   </p:clrMapOvr>
-  <mc:AlternateContent xmlns:mc="http://schemas.openxmlformats.org/markup-compatibility/2006">
-    <mc:Choice xmlns:p14="http://schemas.microsoft.com/office/powerpoint/2010/main" xmlns="" Requires="p14">
+  <mc:AlternateContent xmlns:mc="http://schemas.openxmlformats.org/markup-compatibility/2006" xmlns:p14="http://schemas.microsoft.com/office/powerpoint/2010/main">
+    <mc:Choice Requires="p14">
       <p:transition spd="slow">
         <p14:prism isContent="1"/>
       </p:transition>
     </mc:Choice>
-    <mc:Fallback>
+    <mc:Fallback xmlns="">
       <p:transition spd="slow">
         <p:fade/>
       </p:transition>
@@ -3009,7 +3021,7 @@
           <a:blip r:embed="rId2">
             <a:extLst>
               <a:ext uri="{28A0092B-C50C-407E-A947-70E740481C1C}">
-                <a14:useLocalDpi xmlns:a14="http://schemas.microsoft.com/office/drawing/2010/main" xmlns="" val="0"/>
+                <a14:useLocalDpi xmlns:a14="http://schemas.microsoft.com/office/drawing/2010/main" val="0"/>
               </a:ext>
             </a:extLst>
           </a:blip>
@@ -3039,7 +3051,7 @@
           <a:blip r:embed="rId3">
             <a:extLst>
               <a:ext uri="{28A0092B-C50C-407E-A947-70E740481C1C}">
-                <a14:useLocalDpi xmlns:a14="http://schemas.microsoft.com/office/drawing/2010/main" xmlns="" val="0"/>
+                <a14:useLocalDpi xmlns:a14="http://schemas.microsoft.com/office/drawing/2010/main" val="0"/>
               </a:ext>
             </a:extLst>
           </a:blip>
@@ -3251,7 +3263,7 @@
             <a:fld id="{07184097-F75E-4A67-88D2-F773DE6EBC86}" type="datetime1">
               <a:rPr lang="en-US" smtClean="0"/>
               <a:pPr/>
-              <a:t>4/10/2016</a:t>
+              <a:t>5/23/2016</a:t>
             </a:fld>
             <a:endParaRPr lang="en-US" dirty="0"/>
           </a:p>
@@ -3299,7 +3311,7 @@
             <a:fld id="{6D22F896-40B5-4ADD-8801-0D06FADFA095}" type="slidenum">
               <a:rPr lang="en-US" dirty="0"/>
               <a:pPr/>
-              <a:t>‹Nr.›</a:t>
+              <a:t>‹#›</a:t>
             </a:fld>
             <a:endParaRPr lang="en-US" dirty="0"/>
           </a:p>
@@ -3310,13 +3322,13 @@
   <p:clrMapOvr>
     <a:masterClrMapping/>
   </p:clrMapOvr>
-  <mc:AlternateContent xmlns:mc="http://schemas.openxmlformats.org/markup-compatibility/2006">
-    <mc:Choice xmlns:p14="http://schemas.microsoft.com/office/powerpoint/2010/main" xmlns="" Requires="p14">
+  <mc:AlternateContent xmlns:mc="http://schemas.openxmlformats.org/markup-compatibility/2006" xmlns:p14="http://schemas.microsoft.com/office/powerpoint/2010/main">
+    <mc:Choice Requires="p14">
       <p:transition spd="slow">
         <p14:prism isContent="1"/>
       </p:transition>
     </mc:Choice>
-    <mc:Fallback>
+    <mc:Fallback xmlns="">
       <p:transition spd="slow">
         <p:fade/>
       </p:transition>
@@ -3354,7 +3366,7 @@
           <a:blip r:embed="rId2">
             <a:extLst>
               <a:ext uri="{28A0092B-C50C-407E-A947-70E740481C1C}">
-                <a14:useLocalDpi xmlns:a14="http://schemas.microsoft.com/office/drawing/2010/main" xmlns="" val="0"/>
+                <a14:useLocalDpi xmlns:a14="http://schemas.microsoft.com/office/drawing/2010/main" val="0"/>
               </a:ext>
             </a:extLst>
           </a:blip>
@@ -3384,7 +3396,7 @@
           <a:blip r:embed="rId3">
             <a:extLst>
               <a:ext uri="{28A0092B-C50C-407E-A947-70E740481C1C}">
-                <a14:useLocalDpi xmlns:a14="http://schemas.microsoft.com/office/drawing/2010/main" xmlns="" val="0"/>
+                <a14:useLocalDpi xmlns:a14="http://schemas.microsoft.com/office/drawing/2010/main" val="0"/>
               </a:ext>
             </a:extLst>
           </a:blip>
@@ -3665,7 +3677,7 @@
             <a:fld id="{490A93F7-606A-492D-9890-19673E462E84}" type="datetime1">
               <a:rPr lang="en-US" smtClean="0"/>
               <a:pPr/>
-              <a:t>4/10/2016</a:t>
+              <a:t>5/23/2016</a:t>
             </a:fld>
             <a:endParaRPr lang="en-US" dirty="0"/>
           </a:p>
@@ -3713,7 +3725,7 @@
             <a:fld id="{6D22F896-40B5-4ADD-8801-0D06FADFA095}" type="slidenum">
               <a:rPr lang="en-US" dirty="0"/>
               <a:pPr/>
-              <a:t>‹Nr.›</a:t>
+              <a:t>‹#›</a:t>
             </a:fld>
             <a:endParaRPr lang="en-US" dirty="0"/>
           </a:p>
@@ -3956,13 +3968,13 @@
   <p:clrMapOvr>
     <a:masterClrMapping/>
   </p:clrMapOvr>
-  <mc:AlternateContent xmlns:mc="http://schemas.openxmlformats.org/markup-compatibility/2006">
-    <mc:Choice xmlns:p14="http://schemas.microsoft.com/office/powerpoint/2010/main" xmlns="" Requires="p14">
+  <mc:AlternateContent xmlns:mc="http://schemas.openxmlformats.org/markup-compatibility/2006" xmlns:p14="http://schemas.microsoft.com/office/powerpoint/2010/main">
+    <mc:Choice Requires="p14">
       <p:transition spd="slow">
         <p14:prism isContent="1"/>
       </p:transition>
     </mc:Choice>
-    <mc:Fallback>
+    <mc:Fallback xmlns="">
       <p:transition spd="slow">
         <p:fade/>
       </p:transition>
@@ -4000,7 +4012,7 @@
           <a:blip r:embed="rId2">
             <a:extLst>
               <a:ext uri="{28A0092B-C50C-407E-A947-70E740481C1C}">
-                <a14:useLocalDpi xmlns:a14="http://schemas.microsoft.com/office/drawing/2010/main" xmlns="" val="0"/>
+                <a14:useLocalDpi xmlns:a14="http://schemas.microsoft.com/office/drawing/2010/main" val="0"/>
               </a:ext>
             </a:extLst>
           </a:blip>
@@ -4030,7 +4042,7 @@
           <a:blip r:embed="rId3">
             <a:extLst>
               <a:ext uri="{28A0092B-C50C-407E-A947-70E740481C1C}">
-                <a14:useLocalDpi xmlns:a14="http://schemas.microsoft.com/office/drawing/2010/main" xmlns="" val="0"/>
+                <a14:useLocalDpi xmlns:a14="http://schemas.microsoft.com/office/drawing/2010/main" val="0"/>
               </a:ext>
             </a:extLst>
           </a:blip>
@@ -4242,7 +4254,7 @@
             <a:fld id="{F9D17585-A432-46E1-A8C9-1993905448C8}" type="datetime1">
               <a:rPr lang="en-US" smtClean="0"/>
               <a:pPr/>
-              <a:t>4/10/2016</a:t>
+              <a:t>5/23/2016</a:t>
             </a:fld>
             <a:endParaRPr lang="en-US" dirty="0"/>
           </a:p>
@@ -4290,7 +4302,7 @@
             <a:fld id="{6D22F896-40B5-4ADD-8801-0D06FADFA095}" type="slidenum">
               <a:rPr lang="en-US" dirty="0"/>
               <a:pPr/>
-              <a:t>‹Nr.›</a:t>
+              <a:t>‹#›</a:t>
             </a:fld>
             <a:endParaRPr lang="en-US" dirty="0"/>
           </a:p>
@@ -4325,13 +4337,13 @@
   <p:clrMapOvr>
     <a:masterClrMapping/>
   </p:clrMapOvr>
-  <mc:AlternateContent xmlns:mc="http://schemas.openxmlformats.org/markup-compatibility/2006">
-    <mc:Choice xmlns:p14="http://schemas.microsoft.com/office/powerpoint/2010/main" xmlns="" Requires="p14">
+  <mc:AlternateContent xmlns:mc="http://schemas.openxmlformats.org/markup-compatibility/2006" xmlns:p14="http://schemas.microsoft.com/office/powerpoint/2010/main">
+    <mc:Choice Requires="p14">
       <p:transition spd="slow">
         <p14:prism isContent="1"/>
       </p:transition>
     </mc:Choice>
-    <mc:Fallback>
+    <mc:Fallback xmlns="">
       <p:transition spd="slow">
         <p:fade/>
       </p:transition>
@@ -4376,7 +4388,7 @@
           <a:blip r:embed="rId2">
             <a:extLst>
               <a:ext uri="{28A0092B-C50C-407E-A947-70E740481C1C}">
-                <a14:useLocalDpi xmlns:a14="http://schemas.microsoft.com/office/drawing/2010/main" xmlns="" val="0"/>
+                <a14:useLocalDpi xmlns:a14="http://schemas.microsoft.com/office/drawing/2010/main" val="0"/>
               </a:ext>
             </a:extLst>
           </a:blip>
@@ -4406,7 +4418,7 @@
           <a:blip r:embed="rId3">
             <a:extLst>
               <a:ext uri="{28A0092B-C50C-407E-A947-70E740481C1C}">
-                <a14:useLocalDpi xmlns:a14="http://schemas.microsoft.com/office/drawing/2010/main" xmlns="" val="0"/>
+                <a14:useLocalDpi xmlns:a14="http://schemas.microsoft.com/office/drawing/2010/main" val="0"/>
               </a:ext>
             </a:extLst>
           </a:blip>
@@ -4963,7 +4975,7 @@
             <a:fld id="{F08E80C6-FA03-4514-8F78-9CFD953169C2}" type="datetime1">
               <a:rPr lang="en-US" smtClean="0"/>
               <a:pPr/>
-              <a:t>4/10/2016</a:t>
+              <a:t>5/23/2016</a:t>
             </a:fld>
             <a:endParaRPr lang="en-US" dirty="0"/>
           </a:p>
@@ -5006,7 +5018,7 @@
             <a:fld id="{6D22F896-40B5-4ADD-8801-0D06FADFA095}" type="slidenum">
               <a:rPr lang="en-US" dirty="0"/>
               <a:pPr/>
-              <a:t>‹Nr.›</a:t>
+              <a:t>‹#›</a:t>
             </a:fld>
             <a:endParaRPr lang="en-US" dirty="0"/>
           </a:p>
@@ -5017,13 +5029,13 @@
   <p:clrMapOvr>
     <a:masterClrMapping/>
   </p:clrMapOvr>
-  <mc:AlternateContent xmlns:mc="http://schemas.openxmlformats.org/markup-compatibility/2006">
-    <mc:Choice xmlns:p14="http://schemas.microsoft.com/office/powerpoint/2010/main" xmlns="" Requires="p14">
+  <mc:AlternateContent xmlns:mc="http://schemas.openxmlformats.org/markup-compatibility/2006" xmlns:p14="http://schemas.microsoft.com/office/powerpoint/2010/main">
+    <mc:Choice Requires="p14">
       <p:transition spd="slow">
         <p14:prism isContent="1"/>
       </p:transition>
     </mc:Choice>
-    <mc:Fallback>
+    <mc:Fallback xmlns="">
       <p:transition spd="slow">
         <p:fade/>
       </p:transition>
@@ -5061,7 +5073,7 @@
           <a:blip r:embed="rId2">
             <a:extLst>
               <a:ext uri="{28A0092B-C50C-407E-A947-70E740481C1C}">
-                <a14:useLocalDpi xmlns:a14="http://schemas.microsoft.com/office/drawing/2010/main" xmlns="" val="0"/>
+                <a14:useLocalDpi xmlns:a14="http://schemas.microsoft.com/office/drawing/2010/main" val="0"/>
               </a:ext>
             </a:extLst>
           </a:blip>
@@ -5091,7 +5103,7 @@
           <a:blip r:embed="rId3">
             <a:extLst>
               <a:ext uri="{28A0092B-C50C-407E-A947-70E740481C1C}">
-                <a14:useLocalDpi xmlns:a14="http://schemas.microsoft.com/office/drawing/2010/main" xmlns="" val="0"/>
+                <a14:useLocalDpi xmlns:a14="http://schemas.microsoft.com/office/drawing/2010/main" val="0"/>
               </a:ext>
             </a:extLst>
           </a:blip>
@@ -5885,7 +5897,7 @@
             <a:fld id="{C8D4FCCE-E587-4A0E-840F-FD6307316AE7}" type="datetime1">
               <a:rPr lang="en-US" smtClean="0"/>
               <a:pPr/>
-              <a:t>4/10/2016</a:t>
+              <a:t>5/23/2016</a:t>
             </a:fld>
             <a:endParaRPr lang="en-US" dirty="0"/>
           </a:p>
@@ -5928,7 +5940,7 @@
             <a:fld id="{6D22F896-40B5-4ADD-8801-0D06FADFA095}" type="slidenum">
               <a:rPr lang="en-US" dirty="0"/>
               <a:pPr/>
-              <a:t>‹Nr.›</a:t>
+              <a:t>‹#›</a:t>
             </a:fld>
             <a:endParaRPr lang="en-US" dirty="0"/>
           </a:p>
@@ -5939,13 +5951,13 @@
   <p:clrMapOvr>
     <a:masterClrMapping/>
   </p:clrMapOvr>
-  <mc:AlternateContent xmlns:mc="http://schemas.openxmlformats.org/markup-compatibility/2006">
-    <mc:Choice xmlns:p14="http://schemas.microsoft.com/office/powerpoint/2010/main" xmlns="" Requires="p14">
+  <mc:AlternateContent xmlns:mc="http://schemas.openxmlformats.org/markup-compatibility/2006" xmlns:p14="http://schemas.microsoft.com/office/powerpoint/2010/main">
+    <mc:Choice Requires="p14">
       <p:transition spd="slow">
         <p14:prism isContent="1"/>
       </p:transition>
     </mc:Choice>
-    <mc:Fallback>
+    <mc:Fallback xmlns="">
       <p:transition spd="slow">
         <p:fade/>
       </p:transition>
@@ -5983,7 +5995,7 @@
           <a:blip r:embed="rId2">
             <a:extLst>
               <a:ext uri="{28A0092B-C50C-407E-A947-70E740481C1C}">
-                <a14:useLocalDpi xmlns:a14="http://schemas.microsoft.com/office/drawing/2010/main" xmlns="" val="0"/>
+                <a14:useLocalDpi xmlns:a14="http://schemas.microsoft.com/office/drawing/2010/main" val="0"/>
               </a:ext>
             </a:extLst>
           </a:blip>
@@ -6013,7 +6025,7 @@
           <a:blip r:embed="rId3">
             <a:extLst>
               <a:ext uri="{28A0092B-C50C-407E-A947-70E740481C1C}">
-                <a14:useLocalDpi xmlns:a14="http://schemas.microsoft.com/office/drawing/2010/main" xmlns="" val="0"/>
+                <a14:useLocalDpi xmlns:a14="http://schemas.microsoft.com/office/drawing/2010/main" val="0"/>
               </a:ext>
             </a:extLst>
           </a:blip>
@@ -6207,7 +6219,7 @@
             <a:fld id="{84A49B6B-EE8A-4C78-A72D-5313617935BB}" type="datetime1">
               <a:rPr lang="en-US" smtClean="0"/>
               <a:pPr/>
-              <a:t>4/10/2016</a:t>
+              <a:t>5/23/2016</a:t>
             </a:fld>
             <a:endParaRPr lang="en-US" dirty="0"/>
           </a:p>
@@ -6250,7 +6262,7 @@
             <a:fld id="{6D22F896-40B5-4ADD-8801-0D06FADFA095}" type="slidenum">
               <a:rPr lang="en-US" dirty="0"/>
               <a:pPr/>
-              <a:t>‹Nr.›</a:t>
+              <a:t>‹#›</a:t>
             </a:fld>
             <a:endParaRPr lang="en-US" dirty="0"/>
           </a:p>
@@ -6261,13 +6273,13 @@
   <p:clrMapOvr>
     <a:masterClrMapping/>
   </p:clrMapOvr>
-  <mc:AlternateContent xmlns:mc="http://schemas.openxmlformats.org/markup-compatibility/2006">
-    <mc:Choice xmlns:p14="http://schemas.microsoft.com/office/powerpoint/2010/main" xmlns="" Requires="p14">
+  <mc:AlternateContent xmlns:mc="http://schemas.openxmlformats.org/markup-compatibility/2006" xmlns:p14="http://schemas.microsoft.com/office/powerpoint/2010/main">
+    <mc:Choice Requires="p14">
       <p:transition spd="slow">
         <p14:prism isContent="1"/>
       </p:transition>
     </mc:Choice>
-    <mc:Fallback>
+    <mc:Fallback xmlns="">
       <p:transition spd="slow">
         <p:fade/>
       </p:transition>
@@ -6480,7 +6492,7 @@
             <a:fld id="{98E10C55-51A6-4A63-9759-0045D3F89E4C}" type="datetime1">
               <a:rPr lang="en-US" smtClean="0"/>
               <a:pPr/>
-              <a:t>4/10/2016</a:t>
+              <a:t>5/23/2016</a:t>
             </a:fld>
             <a:endParaRPr lang="en-US" dirty="0"/>
           </a:p>
@@ -6537,7 +6549,7 @@
             <a:fld id="{6D22F896-40B5-4ADD-8801-0D06FADFA095}" type="slidenum">
               <a:rPr lang="en-US" dirty="0"/>
               <a:pPr/>
-              <a:t>‹Nr.›</a:t>
+              <a:t>‹#›</a:t>
             </a:fld>
             <a:endParaRPr lang="en-US" dirty="0"/>
           </a:p>
@@ -6548,13 +6560,13 @@
   <p:clrMapOvr>
     <a:masterClrMapping/>
   </p:clrMapOvr>
-  <mc:AlternateContent xmlns:mc="http://schemas.openxmlformats.org/markup-compatibility/2006">
-    <mc:Choice xmlns:p14="http://schemas.microsoft.com/office/powerpoint/2010/main" xmlns="" Requires="p14">
+  <mc:AlternateContent xmlns:mc="http://schemas.openxmlformats.org/markup-compatibility/2006" xmlns:p14="http://schemas.microsoft.com/office/powerpoint/2010/main">
+    <mc:Choice Requires="p14">
       <p:transition spd="slow">
         <p14:prism isContent="1"/>
       </p:transition>
     </mc:Choice>
-    <mc:Fallback>
+    <mc:Fallback xmlns="">
       <p:transition spd="slow">
         <p:fade/>
       </p:transition>
@@ -6592,7 +6604,7 @@
           <a:blip r:embed="rId2">
             <a:extLst>
               <a:ext uri="{28A0092B-C50C-407E-A947-70E740481C1C}">
-                <a14:useLocalDpi xmlns:a14="http://schemas.microsoft.com/office/drawing/2010/main" xmlns="" val="0"/>
+                <a14:useLocalDpi xmlns:a14="http://schemas.microsoft.com/office/drawing/2010/main" val="0"/>
               </a:ext>
             </a:extLst>
           </a:blip>
@@ -6622,7 +6634,7 @@
           <a:blip r:embed="rId3">
             <a:extLst>
               <a:ext uri="{28A0092B-C50C-407E-A947-70E740481C1C}">
-                <a14:useLocalDpi xmlns:a14="http://schemas.microsoft.com/office/drawing/2010/main" xmlns="" val="0"/>
+                <a14:useLocalDpi xmlns:a14="http://schemas.microsoft.com/office/drawing/2010/main" val="0"/>
               </a:ext>
             </a:extLst>
           </a:blip>
@@ -6812,7 +6824,7 @@
             <a:fld id="{96B7EB8C-1663-4159-95EE-0D42456BFBCE}" type="datetime1">
               <a:rPr lang="en-US" smtClean="0"/>
               <a:pPr/>
-              <a:t>4/10/2016</a:t>
+              <a:t>5/23/2016</a:t>
             </a:fld>
             <a:endParaRPr lang="en-US" dirty="0"/>
           </a:p>
@@ -6855,7 +6867,7 @@
             <a:fld id="{6D22F896-40B5-4ADD-8801-0D06FADFA095}" type="slidenum">
               <a:rPr lang="en-US" dirty="0"/>
               <a:pPr/>
-              <a:t>‹Nr.›</a:t>
+              <a:t>‹#›</a:t>
             </a:fld>
             <a:endParaRPr lang="en-US" dirty="0"/>
           </a:p>
@@ -6890,13 +6902,13 @@
   <p:clrMapOvr>
     <a:masterClrMapping/>
   </p:clrMapOvr>
-  <mc:AlternateContent xmlns:mc="http://schemas.openxmlformats.org/markup-compatibility/2006">
-    <mc:Choice xmlns:p14="http://schemas.microsoft.com/office/powerpoint/2010/main" xmlns="" Requires="p14">
+  <mc:AlternateContent xmlns:mc="http://schemas.openxmlformats.org/markup-compatibility/2006" xmlns:p14="http://schemas.microsoft.com/office/powerpoint/2010/main">
+    <mc:Choice Requires="p14">
       <p:transition spd="slow">
         <p14:prism isContent="1"/>
       </p:transition>
     </mc:Choice>
-    <mc:Fallback>
+    <mc:Fallback xmlns="">
       <p:transition spd="slow">
         <p:fade/>
       </p:transition>
@@ -6941,7 +6953,7 @@
           <a:blip r:embed="rId2">
             <a:extLst>
               <a:ext uri="{28A0092B-C50C-407E-A947-70E740481C1C}">
-                <a14:useLocalDpi xmlns:a14="http://schemas.microsoft.com/office/drawing/2010/main" xmlns="" val="0"/>
+                <a14:useLocalDpi xmlns:a14="http://schemas.microsoft.com/office/drawing/2010/main" val="0"/>
               </a:ext>
             </a:extLst>
           </a:blip>
@@ -6971,7 +6983,7 @@
           <a:blip r:embed="rId3">
             <a:extLst>
               <a:ext uri="{28A0092B-C50C-407E-A947-70E740481C1C}">
-                <a14:useLocalDpi xmlns:a14="http://schemas.microsoft.com/office/drawing/2010/main" xmlns="" val="0"/>
+                <a14:useLocalDpi xmlns:a14="http://schemas.microsoft.com/office/drawing/2010/main" val="0"/>
               </a:ext>
             </a:extLst>
           </a:blip>
@@ -7241,7 +7253,7 @@
             <a:fld id="{7066E464-0AAA-4F10-A9CE-9CD9ECB0885C}" type="datetime1">
               <a:rPr lang="en-US" smtClean="0"/>
               <a:pPr/>
-              <a:t>4/10/2016</a:t>
+              <a:t>5/23/2016</a:t>
             </a:fld>
             <a:endParaRPr lang="en-US" dirty="0"/>
           </a:p>
@@ -7289,7 +7301,7 @@
             <a:fld id="{6D22F896-40B5-4ADD-8801-0D06FADFA095}" type="slidenum">
               <a:rPr lang="en-US" dirty="0"/>
               <a:pPr/>
-              <a:t>‹Nr.›</a:t>
+              <a:t>‹#›</a:t>
             </a:fld>
             <a:endParaRPr lang="en-US" dirty="0"/>
           </a:p>
@@ -7300,13 +7312,13 @@
   <p:clrMapOvr>
     <a:masterClrMapping/>
   </p:clrMapOvr>
-  <mc:AlternateContent xmlns:mc="http://schemas.openxmlformats.org/markup-compatibility/2006">
-    <mc:Choice xmlns:p14="http://schemas.microsoft.com/office/powerpoint/2010/main" xmlns="" Requires="p14">
+  <mc:AlternateContent xmlns:mc="http://schemas.openxmlformats.org/markup-compatibility/2006" xmlns:p14="http://schemas.microsoft.com/office/powerpoint/2010/main">
+    <mc:Choice Requires="p14">
       <p:transition spd="slow">
         <p14:prism isContent="1"/>
       </p:transition>
     </mc:Choice>
-    <mc:Fallback>
+    <mc:Fallback xmlns="">
       <p:transition spd="slow">
         <p:fade/>
       </p:transition>
@@ -7344,7 +7356,7 @@
           <a:blip r:embed="rId2">
             <a:extLst>
               <a:ext uri="{28A0092B-C50C-407E-A947-70E740481C1C}">
-                <a14:useLocalDpi xmlns:a14="http://schemas.microsoft.com/office/drawing/2010/main" xmlns="" val="0"/>
+                <a14:useLocalDpi xmlns:a14="http://schemas.microsoft.com/office/drawing/2010/main" val="0"/>
               </a:ext>
             </a:extLst>
           </a:blip>
@@ -7374,7 +7386,7 @@
           <a:blip r:embed="rId3">
             <a:extLst>
               <a:ext uri="{28A0092B-C50C-407E-A947-70E740481C1C}">
-                <a14:useLocalDpi xmlns:a14="http://schemas.microsoft.com/office/drawing/2010/main" xmlns="" val="0"/>
+                <a14:useLocalDpi xmlns:a14="http://schemas.microsoft.com/office/drawing/2010/main" val="0"/>
               </a:ext>
             </a:extLst>
           </a:blip>
@@ -7626,7 +7638,7 @@
             <a:fld id="{8FAD455F-2C11-407A-99A2-4EF0DEFF31F8}" type="datetime1">
               <a:rPr lang="en-US" smtClean="0"/>
               <a:pPr/>
-              <a:t>4/10/2016</a:t>
+              <a:t>5/23/2016</a:t>
             </a:fld>
             <a:endParaRPr lang="en-US" dirty="0"/>
           </a:p>
@@ -7669,7 +7681,7 @@
             <a:fld id="{6D22F896-40B5-4ADD-8801-0D06FADFA095}" type="slidenum">
               <a:rPr lang="en-US" dirty="0"/>
               <a:pPr/>
-              <a:t>‹Nr.›</a:t>
+              <a:t>‹#›</a:t>
             </a:fld>
             <a:endParaRPr lang="en-US" dirty="0"/>
           </a:p>
@@ -7704,13 +7716,13 @@
   <p:clrMapOvr>
     <a:masterClrMapping/>
   </p:clrMapOvr>
-  <mc:AlternateContent xmlns:mc="http://schemas.openxmlformats.org/markup-compatibility/2006">
-    <mc:Choice xmlns:p14="http://schemas.microsoft.com/office/powerpoint/2010/main" xmlns="" Requires="p14">
+  <mc:AlternateContent xmlns:mc="http://schemas.openxmlformats.org/markup-compatibility/2006" xmlns:p14="http://schemas.microsoft.com/office/powerpoint/2010/main">
+    <mc:Choice Requires="p14">
       <p:transition spd="slow">
         <p14:prism isContent="1"/>
       </p:transition>
     </mc:Choice>
-    <mc:Fallback>
+    <mc:Fallback xmlns="">
       <p:transition spd="slow">
         <p:fade/>
       </p:transition>
@@ -7755,7 +7767,7 @@
           <a:blip r:embed="rId2">
             <a:extLst>
               <a:ext uri="{28A0092B-C50C-407E-A947-70E740481C1C}">
-                <a14:useLocalDpi xmlns:a14="http://schemas.microsoft.com/office/drawing/2010/main" xmlns="" val="0"/>
+                <a14:useLocalDpi xmlns:a14="http://schemas.microsoft.com/office/drawing/2010/main" val="0"/>
               </a:ext>
             </a:extLst>
           </a:blip>
@@ -7785,7 +7797,7 @@
           <a:blip r:embed="rId3">
             <a:extLst>
               <a:ext uri="{28A0092B-C50C-407E-A947-70E740481C1C}">
-                <a14:useLocalDpi xmlns:a14="http://schemas.microsoft.com/office/drawing/2010/main" xmlns="" val="0"/>
+                <a14:useLocalDpi xmlns:a14="http://schemas.microsoft.com/office/drawing/2010/main" val="0"/>
               </a:ext>
             </a:extLst>
           </a:blip>
@@ -8172,7 +8184,7 @@
             <a:fld id="{D89B4D24-EA8F-493B-BD02-4C1693624274}" type="datetime1">
               <a:rPr lang="en-US" smtClean="0"/>
               <a:pPr/>
-              <a:t>4/10/2016</a:t>
+              <a:t>5/23/2016</a:t>
             </a:fld>
             <a:endParaRPr lang="en-US" dirty="0"/>
           </a:p>
@@ -8215,7 +8227,7 @@
             <a:fld id="{6D22F896-40B5-4ADD-8801-0D06FADFA095}" type="slidenum">
               <a:rPr lang="en-US" dirty="0"/>
               <a:pPr/>
-              <a:t>‹Nr.›</a:t>
+              <a:t>‹#›</a:t>
             </a:fld>
             <a:endParaRPr lang="en-US" dirty="0"/>
           </a:p>
@@ -8226,13 +8238,13 @@
   <p:clrMapOvr>
     <a:masterClrMapping/>
   </p:clrMapOvr>
-  <mc:AlternateContent xmlns:mc="http://schemas.openxmlformats.org/markup-compatibility/2006">
-    <mc:Choice xmlns:p14="http://schemas.microsoft.com/office/powerpoint/2010/main" xmlns="" Requires="p14">
+  <mc:AlternateContent xmlns:mc="http://schemas.openxmlformats.org/markup-compatibility/2006" xmlns:p14="http://schemas.microsoft.com/office/powerpoint/2010/main">
+    <mc:Choice Requires="p14">
       <p:transition spd="slow">
         <p14:prism isContent="1"/>
       </p:transition>
     </mc:Choice>
-    <mc:Fallback>
+    <mc:Fallback xmlns="">
       <p:transition spd="slow">
         <p:fade/>
       </p:transition>
@@ -8270,7 +8282,7 @@
           <a:blip r:embed="rId2">
             <a:extLst>
               <a:ext uri="{28A0092B-C50C-407E-A947-70E740481C1C}">
-                <a14:useLocalDpi xmlns:a14="http://schemas.microsoft.com/office/drawing/2010/main" xmlns="" val="0"/>
+                <a14:useLocalDpi xmlns:a14="http://schemas.microsoft.com/office/drawing/2010/main" val="0"/>
               </a:ext>
             </a:extLst>
           </a:blip>
@@ -8300,7 +8312,7 @@
           <a:blip r:embed="rId3">
             <a:extLst>
               <a:ext uri="{28A0092B-C50C-407E-A947-70E740481C1C}">
-                <a14:useLocalDpi xmlns:a14="http://schemas.microsoft.com/office/drawing/2010/main" xmlns="" val="0"/>
+                <a14:useLocalDpi xmlns:a14="http://schemas.microsoft.com/office/drawing/2010/main" val="0"/>
               </a:ext>
             </a:extLst>
           </a:blip>
@@ -8438,7 +8450,7 @@
             <a:fld id="{E7F427D1-D368-4E85-8316-7C7F071673E2}" type="datetime1">
               <a:rPr lang="en-US" smtClean="0"/>
               <a:pPr/>
-              <a:t>4/10/2016</a:t>
+              <a:t>5/23/2016</a:t>
             </a:fld>
             <a:endParaRPr lang="en-US" dirty="0"/>
           </a:p>
@@ -8481,7 +8493,7 @@
             <a:fld id="{6D22F896-40B5-4ADD-8801-0D06FADFA095}" type="slidenum">
               <a:rPr lang="en-US" dirty="0"/>
               <a:pPr/>
-              <a:t>‹Nr.›</a:t>
+              <a:t>‹#›</a:t>
             </a:fld>
             <a:endParaRPr lang="en-US" dirty="0"/>
           </a:p>
@@ -8492,13 +8504,13 @@
   <p:clrMapOvr>
     <a:masterClrMapping/>
   </p:clrMapOvr>
-  <mc:AlternateContent xmlns:mc="http://schemas.openxmlformats.org/markup-compatibility/2006">
-    <mc:Choice xmlns:p14="http://schemas.microsoft.com/office/powerpoint/2010/main" xmlns="" Requires="p14">
+  <mc:AlternateContent xmlns:mc="http://schemas.openxmlformats.org/markup-compatibility/2006" xmlns:p14="http://schemas.microsoft.com/office/powerpoint/2010/main">
+    <mc:Choice Requires="p14">
       <p:transition spd="slow">
         <p14:prism isContent="1"/>
       </p:transition>
     </mc:Choice>
-    <mc:Fallback>
+    <mc:Fallback xmlns="">
       <p:transition spd="slow">
         <p:fade/>
       </p:transition>
@@ -8536,7 +8548,7 @@
           <a:blip r:embed="rId2">
             <a:extLst>
               <a:ext uri="{28A0092B-C50C-407E-A947-70E740481C1C}">
-                <a14:useLocalDpi xmlns:a14="http://schemas.microsoft.com/office/drawing/2010/main" xmlns="" val="0"/>
+                <a14:useLocalDpi xmlns:a14="http://schemas.microsoft.com/office/drawing/2010/main" val="0"/>
               </a:ext>
             </a:extLst>
           </a:blip>
@@ -8610,7 +8622,7 @@
             <a:fld id="{D756831E-CED9-4724-9957-461DACA6159E}" type="datetime1">
               <a:rPr lang="en-US" smtClean="0"/>
               <a:pPr/>
-              <a:t>4/10/2016</a:t>
+              <a:t>5/23/2016</a:t>
             </a:fld>
             <a:endParaRPr lang="en-US" dirty="0"/>
           </a:p>
@@ -8653,7 +8665,7 @@
             <a:fld id="{6D22F896-40B5-4ADD-8801-0D06FADFA095}" type="slidenum">
               <a:rPr lang="en-US" dirty="0"/>
               <a:pPr/>
-              <a:t>‹Nr.›</a:t>
+              <a:t>‹#›</a:t>
             </a:fld>
             <a:endParaRPr lang="en-US" dirty="0"/>
           </a:p>
@@ -8688,13 +8700,13 @@
   <p:clrMapOvr>
     <a:masterClrMapping/>
   </p:clrMapOvr>
-  <mc:AlternateContent xmlns:mc="http://schemas.openxmlformats.org/markup-compatibility/2006">
-    <mc:Choice xmlns:p14="http://schemas.microsoft.com/office/powerpoint/2010/main" xmlns="" Requires="p14">
+  <mc:AlternateContent xmlns:mc="http://schemas.openxmlformats.org/markup-compatibility/2006" xmlns:p14="http://schemas.microsoft.com/office/powerpoint/2010/main">
+    <mc:Choice Requires="p14">
       <p:transition spd="slow">
         <p14:prism isContent="1"/>
       </p:transition>
     </mc:Choice>
-    <mc:Fallback>
+    <mc:Fallback xmlns="">
       <p:transition spd="slow">
         <p:fade/>
       </p:transition>
@@ -8739,7 +8751,7 @@
           <a:blip r:embed="rId2">
             <a:extLst>
               <a:ext uri="{28A0092B-C50C-407E-A947-70E740481C1C}">
-                <a14:useLocalDpi xmlns:a14="http://schemas.microsoft.com/office/drawing/2010/main" xmlns="" val="0"/>
+                <a14:useLocalDpi xmlns:a14="http://schemas.microsoft.com/office/drawing/2010/main" val="0"/>
               </a:ext>
             </a:extLst>
           </a:blip>
@@ -8769,7 +8781,7 @@
           <a:blip r:embed="rId3">
             <a:extLst>
               <a:ext uri="{28A0092B-C50C-407E-A947-70E740481C1C}">
-                <a14:useLocalDpi xmlns:a14="http://schemas.microsoft.com/office/drawing/2010/main" xmlns="" val="0"/>
+                <a14:useLocalDpi xmlns:a14="http://schemas.microsoft.com/office/drawing/2010/main" val="0"/>
               </a:ext>
             </a:extLst>
           </a:blip>
@@ -9040,7 +9052,7 @@
             <a:fld id="{424555D9-BD6D-4BC6-BF61-7EACA74F72C7}" type="datetime1">
               <a:rPr lang="en-US" smtClean="0"/>
               <a:pPr/>
-              <a:t>4/10/2016</a:t>
+              <a:t>5/23/2016</a:t>
             </a:fld>
             <a:endParaRPr lang="en-US" dirty="0"/>
           </a:p>
@@ -9083,7 +9095,7 @@
             <a:fld id="{6D22F896-40B5-4ADD-8801-0D06FADFA095}" type="slidenum">
               <a:rPr lang="en-US" dirty="0"/>
               <a:pPr/>
-              <a:t>‹Nr.›</a:t>
+              <a:t>‹#›</a:t>
             </a:fld>
             <a:endParaRPr lang="en-US" dirty="0"/>
           </a:p>
@@ -9094,13 +9106,13 @@
   <p:clrMapOvr>
     <a:masterClrMapping/>
   </p:clrMapOvr>
-  <mc:AlternateContent xmlns:mc="http://schemas.openxmlformats.org/markup-compatibility/2006">
-    <mc:Choice xmlns:p14="http://schemas.microsoft.com/office/powerpoint/2010/main" xmlns="" Requires="p14">
+  <mc:AlternateContent xmlns:mc="http://schemas.openxmlformats.org/markup-compatibility/2006" xmlns:p14="http://schemas.microsoft.com/office/powerpoint/2010/main">
+    <mc:Choice Requires="p14">
       <p:transition spd="slow">
         <p14:prism isContent="1"/>
       </p:transition>
     </mc:Choice>
-    <mc:Fallback>
+    <mc:Fallback xmlns="">
       <p:transition spd="slow">
         <p:fade/>
       </p:transition>
@@ -9138,7 +9150,7 @@
           <a:blip r:embed="rId2">
             <a:extLst>
               <a:ext uri="{28A0092B-C50C-407E-A947-70E740481C1C}">
-                <a14:useLocalDpi xmlns:a14="http://schemas.microsoft.com/office/drawing/2010/main" xmlns="" val="0"/>
+                <a14:useLocalDpi xmlns:a14="http://schemas.microsoft.com/office/drawing/2010/main" val="0"/>
               </a:ext>
             </a:extLst>
           </a:blip>
@@ -9168,7 +9180,7 @@
           <a:blip r:embed="rId3">
             <a:extLst>
               <a:ext uri="{28A0092B-C50C-407E-A947-70E740481C1C}">
-                <a14:useLocalDpi xmlns:a14="http://schemas.microsoft.com/office/drawing/2010/main" xmlns="" val="0"/>
+                <a14:useLocalDpi xmlns:a14="http://schemas.microsoft.com/office/drawing/2010/main" val="0"/>
               </a:ext>
             </a:extLst>
           </a:blip>
@@ -9458,7 +9470,7 @@
             <a:fld id="{10AF29B5-CB87-4172-842A-3B6EEDB8E8FD}" type="datetime1">
               <a:rPr lang="en-US" smtClean="0"/>
               <a:pPr/>
-              <a:t>4/10/2016</a:t>
+              <a:t>5/23/2016</a:t>
             </a:fld>
             <a:endParaRPr lang="en-US" dirty="0"/>
           </a:p>
@@ -9501,7 +9513,7 @@
             <a:fld id="{6D22F896-40B5-4ADD-8801-0D06FADFA095}" type="slidenum">
               <a:rPr lang="en-US" dirty="0"/>
               <a:pPr/>
-              <a:t>‹Nr.›</a:t>
+              <a:t>‹#›</a:t>
             </a:fld>
             <a:endParaRPr lang="en-US" dirty="0"/>
           </a:p>
@@ -9512,13 +9524,13 @@
   <p:clrMapOvr>
     <a:masterClrMapping/>
   </p:clrMapOvr>
-  <mc:AlternateContent xmlns:mc="http://schemas.openxmlformats.org/markup-compatibility/2006">
-    <mc:Choice xmlns:p14="http://schemas.microsoft.com/office/powerpoint/2010/main" xmlns="" Requires="p14">
+  <mc:AlternateContent xmlns:mc="http://schemas.openxmlformats.org/markup-compatibility/2006" xmlns:p14="http://schemas.microsoft.com/office/powerpoint/2010/main">
+    <mc:Choice Requires="p14">
       <p:transition spd="slow">
         <p14:prism isContent="1"/>
       </p:transition>
     </mc:Choice>
-    <mc:Fallback>
+    <mc:Fallback xmlns="">
       <p:transition spd="slow">
         <p:fade/>
       </p:transition>
@@ -9562,7 +9574,7 @@
             <a:alphaModFix amt="10000"/>
             <a:extLst>
               <a:ext uri="{28A0092B-C50C-407E-A947-70E740481C1C}">
-                <a14:useLocalDpi xmlns:a14="http://schemas.microsoft.com/office/drawing/2010/main" xmlns="" val="0"/>
+                <a14:useLocalDpi xmlns:a14="http://schemas.microsoft.com/office/drawing/2010/main" val="0"/>
               </a:ext>
             </a:extLst>
           </a:blip>
@@ -9711,7 +9723,7 @@
             <a:fld id="{F9518673-07DD-43F2-9C21-73BEA0E0382D}" type="datetime1">
               <a:rPr lang="en-US" smtClean="0"/>
               <a:pPr/>
-              <a:t>4/10/2016</a:t>
+              <a:t>5/23/2016</a:t>
             </a:fld>
             <a:endParaRPr lang="en-US" dirty="0"/>
           </a:p>
@@ -9790,7 +9802,7 @@
             <a:fld id="{6D22F896-40B5-4ADD-8801-0D06FADFA095}" type="slidenum">
               <a:rPr lang="en-US" dirty="0"/>
               <a:pPr/>
-              <a:t>‹Nr.›</a:t>
+              <a:t>‹#›</a:t>
             </a:fld>
             <a:endParaRPr lang="en-US" dirty="0"/>
           </a:p>
@@ -9818,13 +9830,13 @@
     <p:sldLayoutId id="2147483658" r:id="rId16"/>
     <p:sldLayoutId id="2147483659" r:id="rId17"/>
   </p:sldLayoutIdLst>
-  <mc:AlternateContent xmlns:mc="http://schemas.openxmlformats.org/markup-compatibility/2006">
-    <mc:Choice xmlns:p14="http://schemas.microsoft.com/office/powerpoint/2010/main" xmlns="" Requires="p14">
+  <mc:AlternateContent xmlns:mc="http://schemas.openxmlformats.org/markup-compatibility/2006" xmlns:p14="http://schemas.microsoft.com/office/powerpoint/2010/main">
+    <mc:Choice Requires="p14">
       <p:transition spd="slow">
         <p14:prism isContent="1"/>
       </p:transition>
     </mc:Choice>
-    <mc:Fallback>
+    <mc:Fallback xmlns="">
       <p:transition spd="slow">
         <p:fade/>
       </p:transition>
@@ -10197,20 +10209,20 @@
     </p:spTree>
     <p:extLst>
       <p:ext uri="{BB962C8B-B14F-4D97-AF65-F5344CB8AC3E}">
-        <p14:creationId xmlns:p14="http://schemas.microsoft.com/office/powerpoint/2010/main" xmlns="" val="1766642539"/>
+        <p14:creationId xmlns:p14="http://schemas.microsoft.com/office/powerpoint/2010/main" val="1766642539"/>
       </p:ext>
     </p:extLst>
   </p:cSld>
   <p:clrMapOvr>
     <a:masterClrMapping/>
   </p:clrMapOvr>
-  <mc:AlternateContent xmlns:mc="http://schemas.openxmlformats.org/markup-compatibility/2006">
-    <mc:Choice xmlns:p14="http://schemas.microsoft.com/office/powerpoint/2010/main" xmlns="" Requires="p14">
+  <mc:AlternateContent xmlns:mc="http://schemas.openxmlformats.org/markup-compatibility/2006" xmlns:p14="http://schemas.microsoft.com/office/powerpoint/2010/main">
+    <mc:Choice Requires="p14">
       <p:transition spd="slow">
         <p14:prism isContent="1"/>
       </p:transition>
     </mc:Choice>
-    <mc:Fallback>
+    <mc:Fallback xmlns="">
       <p:transition spd="slow">
         <p:fade/>
       </p:transition>
@@ -10379,7 +10391,7 @@
           <a:blip r:embed="rId3">
             <a:extLst>
               <a:ext uri="{28A0092B-C50C-407E-A947-70E740481C1C}">
-                <a14:useLocalDpi xmlns:a14="http://schemas.microsoft.com/office/drawing/2010/main" xmlns="" val="0"/>
+                <a14:useLocalDpi xmlns:a14="http://schemas.microsoft.com/office/drawing/2010/main" val="0"/>
               </a:ext>
             </a:extLst>
           </a:blip>
@@ -10399,7 +10411,7 @@
           <a:noFill/>
           <a:extLst>
             <a:ext uri="{909E8E84-426E-40DD-AFC4-6F175D3DCCD1}">
-              <a14:hiddenFill xmlns:a14="http://schemas.microsoft.com/office/drawing/2010/main" xmlns="">
+              <a14:hiddenFill xmlns:a14="http://schemas.microsoft.com/office/drawing/2010/main">
                 <a:solidFill>
                   <a:srgbClr val="FFFFFF"/>
                 </a:solidFill>
@@ -10411,20 +10423,20 @@
     </p:spTree>
     <p:extLst>
       <p:ext uri="{BB962C8B-B14F-4D97-AF65-F5344CB8AC3E}">
-        <p14:creationId xmlns:p14="http://schemas.microsoft.com/office/powerpoint/2010/main" xmlns="" val="468763446"/>
+        <p14:creationId xmlns:p14="http://schemas.microsoft.com/office/powerpoint/2010/main" val="468763446"/>
       </p:ext>
     </p:extLst>
   </p:cSld>
   <p:clrMapOvr>
     <a:masterClrMapping/>
   </p:clrMapOvr>
-  <mc:AlternateContent xmlns:mc="http://schemas.openxmlformats.org/markup-compatibility/2006">
-    <mc:Choice xmlns:p14="http://schemas.microsoft.com/office/powerpoint/2010/main" xmlns="" Requires="p14">
+  <mc:AlternateContent xmlns:mc="http://schemas.openxmlformats.org/markup-compatibility/2006" xmlns:p14="http://schemas.microsoft.com/office/powerpoint/2010/main">
+    <mc:Choice Requires="p14">
       <p:transition spd="slow">
         <p14:prism isContent="1"/>
       </p:transition>
     </mc:Choice>
-    <mc:Fallback>
+    <mc:Fallback xmlns="">
       <p:transition spd="slow">
         <p:fade/>
       </p:transition>
@@ -10699,20 +10711,20 @@
     </p:spTree>
     <p:extLst>
       <p:ext uri="{BB962C8B-B14F-4D97-AF65-F5344CB8AC3E}">
-        <p14:creationId xmlns:p14="http://schemas.microsoft.com/office/powerpoint/2010/main" xmlns="" val="1478242657"/>
+        <p14:creationId xmlns:p14="http://schemas.microsoft.com/office/powerpoint/2010/main" val="1478242657"/>
       </p:ext>
     </p:extLst>
   </p:cSld>
   <p:clrMapOvr>
     <a:masterClrMapping/>
   </p:clrMapOvr>
-  <mc:AlternateContent xmlns:mc="http://schemas.openxmlformats.org/markup-compatibility/2006">
-    <mc:Choice xmlns:p14="http://schemas.microsoft.com/office/powerpoint/2010/main" xmlns="" Requires="p14">
+  <mc:AlternateContent xmlns:mc="http://schemas.openxmlformats.org/markup-compatibility/2006" xmlns:p14="http://schemas.microsoft.com/office/powerpoint/2010/main">
+    <mc:Choice Requires="p14">
       <p:transition spd="slow">
         <p14:prism isContent="1"/>
       </p:transition>
     </mc:Choice>
-    <mc:Fallback>
+    <mc:Fallback xmlns="">
       <p:transition spd="slow">
         <p:fade/>
       </p:transition>
@@ -10801,20 +10813,20 @@
     </p:spTree>
     <p:extLst>
       <p:ext uri="{BB962C8B-B14F-4D97-AF65-F5344CB8AC3E}">
-        <p14:creationId xmlns:p14="http://schemas.microsoft.com/office/powerpoint/2010/main" xmlns="" val="1478242657"/>
+        <p14:creationId xmlns:p14="http://schemas.microsoft.com/office/powerpoint/2010/main" val="1478242657"/>
       </p:ext>
     </p:extLst>
   </p:cSld>
   <p:clrMapOvr>
     <a:masterClrMapping/>
   </p:clrMapOvr>
-  <mc:AlternateContent xmlns:mc="http://schemas.openxmlformats.org/markup-compatibility/2006">
-    <mc:Choice xmlns:p14="http://schemas.microsoft.com/office/powerpoint/2010/main" xmlns="" Requires="p14">
+  <mc:AlternateContent xmlns:mc="http://schemas.openxmlformats.org/markup-compatibility/2006" xmlns:p14="http://schemas.microsoft.com/office/powerpoint/2010/main">
+    <mc:Choice Requires="p14">
       <p:transition spd="slow">
         <p14:prism isContent="1"/>
       </p:transition>
     </mc:Choice>
-    <mc:Fallback>
+    <mc:Fallback xmlns="">
       <p:transition spd="slow">
         <p:fade/>
       </p:transition>
@@ -10863,102 +10875,78 @@
           <a:lstStyle/>
           <a:p>
             <a:r>
-              <a:rPr lang="en-US" dirty="0"/>
-              <a:t>6 Possible risks and </a:t>
-            </a:r>
-            <a:r>
               <a:rPr lang="en-US" dirty="0" smtClean="0"/>
-              <a:t>issues</a:t>
+              <a:t>5 Tutorial</a:t>
             </a:r>
             <a:endParaRPr lang="en-US" dirty="0"/>
           </a:p>
         </p:txBody>
       </p:sp>
-      <p:sp>
-        <p:nvSpPr>
-          <p:cNvPr id="3" name="Content Placeholder 2"/>
-          <p:cNvSpPr>
-            <a:spLocks noGrp="1"/>
-          </p:cNvSpPr>
+      <p:pic>
+        <p:nvPicPr>
+          <p:cNvPr id="1026" name="Picture 2" descr="https://blog.captainup.com/wp-content/uploads/2014/03/hud.png"/>
+          <p:cNvPicPr>
+            <a:picLocks noGrp="1" noChangeAspect="1" noChangeArrowheads="1"/>
+          </p:cNvPicPr>
           <p:nvPr>
             <p:ph idx="1"/>
           </p:nvPr>
-        </p:nvSpPr>
-        <p:spPr/>
-        <p:txBody>
-          <a:bodyPr/>
-          <a:lstStyle/>
-          <a:p>
-            <a:pPr marL="0" indent="0">
-              <a:buNone/>
-            </a:pPr>
-            <a:r>
-              <a:rPr lang="en-US" dirty="0" smtClean="0"/>
-              <a:t>Why gamification can fail</a:t>
-            </a:r>
-          </a:p>
-          <a:p>
-            <a:r>
-              <a:rPr lang="en-US" dirty="0" smtClean="0"/>
-              <a:t>Lack of planning and strategy</a:t>
-            </a:r>
-          </a:p>
-          <a:p>
-            <a:r>
-              <a:rPr lang="en-US" dirty="0" smtClean="0"/>
-              <a:t>Bad processes</a:t>
-            </a:r>
-          </a:p>
-          <a:p>
-            <a:r>
-              <a:rPr lang="en-US" dirty="0" smtClean="0"/>
-              <a:t>Poor design</a:t>
-            </a:r>
-          </a:p>
-          <a:p>
-            <a:r>
-              <a:rPr lang="en-US" dirty="0" smtClean="0"/>
-              <a:t>Unrealistic expectations</a:t>
-            </a:r>
-          </a:p>
-          <a:p>
-            <a:r>
-              <a:rPr lang="en-US" dirty="0" smtClean="0"/>
-              <a:t>Rewards for top performers</a:t>
-            </a:r>
-            <a:endParaRPr lang="en-US" dirty="0"/>
-          </a:p>
-        </p:txBody>
-      </p:sp>
+        </p:nvPicPr>
+        <p:blipFill>
+          <a:blip r:embed="rId2">
+            <a:extLst>
+              <a:ext uri="{28A0092B-C50C-407E-A947-70E740481C1C}">
+                <a14:useLocalDpi xmlns:a14="http://schemas.microsoft.com/office/drawing/2010/main" val="0"/>
+              </a:ext>
+            </a:extLst>
+          </a:blip>
+          <a:srcRect/>
+          <a:stretch>
+            <a:fillRect/>
+          </a:stretch>
+        </p:blipFill>
+        <p:spPr bwMode="auto">
+          <a:xfrm>
+            <a:off x="2447915" y="2133600"/>
+            <a:ext cx="6326513" cy="4583941"/>
+          </a:xfrm>
+          <a:prstGeom prst="rect">
+            <a:avLst/>
+          </a:prstGeom>
+          <a:noFill/>
+          <a:extLst>
+            <a:ext uri="{909E8E84-426E-40DD-AFC4-6F175D3DCCD1}">
+              <a14:hiddenFill xmlns:a14="http://schemas.microsoft.com/office/drawing/2010/main">
+                <a:solidFill>
+                  <a:srgbClr val="FFFFFF"/>
+                </a:solidFill>
+              </a14:hiddenFill>
+            </a:ext>
+          </a:extLst>
+        </p:spPr>
+      </p:pic>
     </p:spTree>
     <p:extLst>
       <p:ext uri="{BB962C8B-B14F-4D97-AF65-F5344CB8AC3E}">
-        <p14:creationId xmlns:p14="http://schemas.microsoft.com/office/powerpoint/2010/main" xmlns="" val="2174969439"/>
+        <p14:creationId xmlns:p14="http://schemas.microsoft.com/office/powerpoint/2010/main" val="140169354"/>
       </p:ext>
     </p:extLst>
   </p:cSld>
   <p:clrMapOvr>
     <a:masterClrMapping/>
   </p:clrMapOvr>
-  <mc:AlternateContent xmlns:mc="http://schemas.openxmlformats.org/markup-compatibility/2006">
-    <mc:Choice xmlns:p14="http://schemas.microsoft.com/office/powerpoint/2010/main" xmlns="" Requires="p14">
+  <mc:AlternateContent xmlns:mc="http://schemas.openxmlformats.org/markup-compatibility/2006" xmlns:p14="http://schemas.microsoft.com/office/powerpoint/2010/main">
+    <mc:Choice Requires="p14">
       <p:transition spd="slow">
         <p14:prism isContent="1"/>
       </p:transition>
     </mc:Choice>
-    <mc:Fallback>
+    <mc:Fallback xmlns="">
       <p:transition spd="slow">
         <p:fade/>
       </p:transition>
     </mc:Fallback>
   </mc:AlternateContent>
-  <p:timing>
-    <p:tnLst>
-      <p:par>
-        <p:cTn id="1" dur="indefinite" restart="never" nodeType="tmRoot"/>
-      </p:par>
-    </p:tnLst>
-  </p:timing>
 </p:sld>
 </file>
 
@@ -10995,18 +10983,14 @@
           <a:lstStyle/>
           <a:p>
             <a:r>
-              <a:rPr lang="de-DE" dirty="0"/>
-              <a:t>7</a:t>
-            </a:r>
-            <a:r>
-              <a:rPr lang="de-DE" dirty="0" smtClean="0"/>
-              <a:t> </a:t>
-            </a:r>
-            <a:r>
-              <a:rPr lang="de-DE" dirty="0" err="1" smtClean="0"/>
-              <a:t>Conclusion</a:t>
-            </a:r>
-            <a:endParaRPr lang="de-DE" dirty="0"/>
+              <a:rPr lang="en-US" dirty="0"/>
+              <a:t>6 Possible risks and </a:t>
+            </a:r>
+            <a:r>
+              <a:rPr lang="en-US" dirty="0" smtClean="0"/>
+              <a:t>issues</a:t>
+            </a:r>
+            <a:endParaRPr lang="en-US" dirty="0"/>
           </a:p>
         </p:txBody>
       </p:sp>
@@ -11020,245 +11004,69 @@
             <p:ph idx="1"/>
           </p:nvPr>
         </p:nvSpPr>
-        <p:spPr>
-          <a:xfrm>
-            <a:off x="680321" y="2310994"/>
-            <a:ext cx="6738396" cy="3599316"/>
-          </a:xfrm>
-        </p:spPr>
+        <p:spPr/>
         <p:txBody>
           <a:bodyPr/>
           <a:lstStyle/>
           <a:p>
-            <a:r>
-              <a:rPr lang="de-DE" dirty="0" smtClean="0"/>
-              <a:t>Gamification </a:t>
-            </a:r>
-            <a:r>
-              <a:rPr lang="de-DE" dirty="0" err="1" smtClean="0"/>
-              <a:t>is</a:t>
-            </a:r>
-            <a:r>
-              <a:rPr lang="de-DE" dirty="0" smtClean="0"/>
-              <a:t> a </a:t>
-            </a:r>
-            <a:r>
-              <a:rPr lang="de-DE" dirty="0" err="1" smtClean="0"/>
-              <a:t>concept</a:t>
-            </a:r>
-            <a:r>
-              <a:rPr lang="de-DE" dirty="0" smtClean="0"/>
-              <a:t> </a:t>
-            </a:r>
-            <a:r>
-              <a:rPr lang="de-DE" dirty="0" err="1" smtClean="0"/>
-              <a:t>that</a:t>
-            </a:r>
-            <a:r>
-              <a:rPr lang="de-DE" dirty="0" smtClean="0"/>
-              <a:t> </a:t>
-            </a:r>
-            <a:r>
-              <a:rPr lang="de-DE" dirty="0" err="1" smtClean="0"/>
-              <a:t>can</a:t>
-            </a:r>
-            <a:r>
-              <a:rPr lang="de-DE" dirty="0" smtClean="0"/>
-              <a:t> </a:t>
-            </a:r>
-            <a:r>
-              <a:rPr lang="de-DE" dirty="0" err="1" smtClean="0"/>
-              <a:t>strengthen</a:t>
-            </a:r>
-            <a:r>
-              <a:rPr lang="de-DE" dirty="0" smtClean="0"/>
-              <a:t> </a:t>
-            </a:r>
-            <a:r>
-              <a:rPr lang="de-DE" dirty="0" err="1" smtClean="0"/>
-              <a:t>customer</a:t>
-            </a:r>
-            <a:r>
-              <a:rPr lang="de-DE" dirty="0" smtClean="0"/>
-              <a:t> </a:t>
-            </a:r>
-            <a:r>
-              <a:rPr lang="de-DE" dirty="0" err="1" smtClean="0"/>
-              <a:t>loyalty</a:t>
-            </a:r>
-            <a:endParaRPr lang="de-DE" dirty="0"/>
-          </a:p>
-          <a:p>
-            <a:r>
-              <a:rPr lang="de-DE" dirty="0" err="1" smtClean="0"/>
-              <a:t>Based</a:t>
-            </a:r>
-            <a:r>
-              <a:rPr lang="de-DE" dirty="0" smtClean="0"/>
-              <a:t> on </a:t>
-            </a:r>
-            <a:r>
-              <a:rPr lang="de-DE" dirty="0" err="1" smtClean="0"/>
-              <a:t>underlying</a:t>
-            </a:r>
-            <a:r>
-              <a:rPr lang="de-DE" dirty="0" smtClean="0"/>
-              <a:t> </a:t>
-            </a:r>
-            <a:r>
-              <a:rPr lang="de-DE" dirty="0" err="1" smtClean="0"/>
-              <a:t>psychological</a:t>
-            </a:r>
-            <a:r>
-              <a:rPr lang="de-DE" dirty="0" smtClean="0"/>
-              <a:t> </a:t>
-            </a:r>
-            <a:r>
-              <a:rPr lang="de-DE" dirty="0" err="1" smtClean="0"/>
-              <a:t>reasons</a:t>
-            </a:r>
-            <a:r>
-              <a:rPr lang="de-DE" dirty="0" smtClean="0"/>
-              <a:t> like </a:t>
-            </a:r>
-            <a:r>
-              <a:rPr lang="de-DE" dirty="0" err="1" smtClean="0"/>
-              <a:t>autonomy</a:t>
-            </a:r>
-            <a:r>
-              <a:rPr lang="de-DE" dirty="0" smtClean="0"/>
-              <a:t>, </a:t>
-            </a:r>
-            <a:r>
-              <a:rPr lang="de-DE" dirty="0" err="1" smtClean="0"/>
-              <a:t>mastery</a:t>
-            </a:r>
-            <a:r>
-              <a:rPr lang="de-DE" dirty="0" smtClean="0"/>
-              <a:t> </a:t>
-            </a:r>
-            <a:r>
-              <a:rPr lang="de-DE" dirty="0" err="1" smtClean="0"/>
-              <a:t>and</a:t>
-            </a:r>
-            <a:r>
-              <a:rPr lang="de-DE" dirty="0" smtClean="0"/>
-              <a:t> </a:t>
-            </a:r>
-            <a:r>
-              <a:rPr lang="de-DE" dirty="0" err="1" smtClean="0"/>
-              <a:t>purpose</a:t>
-            </a:r>
-            <a:endParaRPr lang="de-DE" dirty="0" smtClean="0"/>
-          </a:p>
-          <a:p>
-            <a:r>
-              <a:rPr lang="de-DE" dirty="0" smtClean="0"/>
-              <a:t>Easy </a:t>
-            </a:r>
-            <a:r>
-              <a:rPr lang="de-DE" dirty="0" err="1" smtClean="0"/>
-              <a:t>to</a:t>
-            </a:r>
-            <a:r>
-              <a:rPr lang="de-DE" dirty="0" smtClean="0"/>
-              <a:t> </a:t>
-            </a:r>
-            <a:r>
-              <a:rPr lang="de-DE" dirty="0" err="1" smtClean="0"/>
-              <a:t>use</a:t>
-            </a:r>
-            <a:r>
-              <a:rPr lang="de-DE" dirty="0" smtClean="0"/>
-              <a:t> </a:t>
-            </a:r>
-            <a:r>
-              <a:rPr lang="de-DE" dirty="0" err="1" smtClean="0"/>
-              <a:t>plugins</a:t>
-            </a:r>
-            <a:r>
-              <a:rPr lang="de-DE" dirty="0" smtClean="0"/>
-              <a:t> </a:t>
-            </a:r>
-            <a:r>
-              <a:rPr lang="de-DE" dirty="0" err="1" smtClean="0"/>
-              <a:t>for</a:t>
-            </a:r>
-            <a:r>
-              <a:rPr lang="de-DE" dirty="0" smtClean="0"/>
-              <a:t> a quick </a:t>
-            </a:r>
-            <a:r>
-              <a:rPr lang="de-DE" dirty="0" err="1" smtClean="0"/>
-              <a:t>implementation</a:t>
-            </a:r>
-            <a:endParaRPr lang="de-DE" dirty="0" smtClean="0"/>
-          </a:p>
-          <a:p>
-            <a:r>
-              <a:rPr lang="de-DE" dirty="0" smtClean="0"/>
-              <a:t>Can also </a:t>
-            </a:r>
-            <a:r>
-              <a:rPr lang="de-DE" dirty="0" err="1" smtClean="0"/>
-              <a:t>be</a:t>
-            </a:r>
-            <a:r>
-              <a:rPr lang="de-DE" dirty="0" smtClean="0"/>
-              <a:t> </a:t>
-            </a:r>
-            <a:r>
-              <a:rPr lang="de-DE" dirty="0" err="1" smtClean="0"/>
-              <a:t>useful</a:t>
-            </a:r>
-            <a:r>
-              <a:rPr lang="de-DE" dirty="0" smtClean="0"/>
-              <a:t> </a:t>
-            </a:r>
-            <a:r>
-              <a:rPr lang="de-DE" dirty="0" err="1" smtClean="0"/>
-              <a:t>for</a:t>
-            </a:r>
-            <a:r>
-              <a:rPr lang="de-DE" dirty="0" smtClean="0"/>
-              <a:t> </a:t>
-            </a:r>
-            <a:r>
-              <a:rPr lang="de-DE" i="1" dirty="0" err="1" smtClean="0"/>
-              <a:t>your</a:t>
-            </a:r>
-            <a:r>
-              <a:rPr lang="de-DE" dirty="0" smtClean="0"/>
-              <a:t> </a:t>
-            </a:r>
-            <a:r>
-              <a:rPr lang="de-DE" dirty="0" err="1" smtClean="0"/>
-              <a:t>projects</a:t>
-            </a:r>
-            <a:r>
-              <a:rPr lang="de-DE" dirty="0" smtClean="0"/>
-              <a:t> </a:t>
-            </a:r>
+            <a:pPr marL="0" indent="0">
+              <a:buNone/>
+            </a:pPr>
+            <a:r>
+              <a:rPr lang="en-US" dirty="0" smtClean="0"/>
+              <a:t>Why gamification can fail</a:t>
+            </a:r>
+          </a:p>
+          <a:p>
+            <a:r>
+              <a:rPr lang="en-US" dirty="0" smtClean="0"/>
+              <a:t>Lack of planning and strategy</a:t>
+            </a:r>
+          </a:p>
+          <a:p>
+            <a:r>
+              <a:rPr lang="en-US" dirty="0" smtClean="0"/>
+              <a:t>Bad processes</a:t>
+            </a:r>
+          </a:p>
+          <a:p>
+            <a:r>
+              <a:rPr lang="en-US" dirty="0" smtClean="0"/>
+              <a:t>Poor design</a:t>
+            </a:r>
+          </a:p>
+          <a:p>
+            <a:r>
+              <a:rPr lang="en-US" dirty="0" smtClean="0"/>
+              <a:t>Unrealistic expectations</a:t>
+            </a:r>
+          </a:p>
+          <a:p>
+            <a:r>
+              <a:rPr lang="en-US" dirty="0" smtClean="0"/>
+              <a:t>Rewards for top performers</a:t>
+            </a:r>
+            <a:endParaRPr lang="en-US" dirty="0"/>
           </a:p>
         </p:txBody>
       </p:sp>
     </p:spTree>
     <p:extLst>
       <p:ext uri="{BB962C8B-B14F-4D97-AF65-F5344CB8AC3E}">
-        <p14:creationId xmlns:p14="http://schemas.microsoft.com/office/powerpoint/2010/main" xmlns="" val="1853776390"/>
+        <p14:creationId xmlns:p14="http://schemas.microsoft.com/office/powerpoint/2010/main" val="2174969439"/>
       </p:ext>
     </p:extLst>
   </p:cSld>
   <p:clrMapOvr>
     <a:masterClrMapping/>
   </p:clrMapOvr>
-  <mc:AlternateContent xmlns:mc="http://schemas.openxmlformats.org/markup-compatibility/2006">
-    <mc:Choice xmlns:p14="http://schemas.microsoft.com/office/powerpoint/2010/main" xmlns="" Requires="p14">
+  <mc:AlternateContent xmlns:mc="http://schemas.openxmlformats.org/markup-compatibility/2006" xmlns:p14="http://schemas.microsoft.com/office/powerpoint/2010/main">
+    <mc:Choice Requires="p14">
       <p:transition spd="slow">
         <p14:prism isContent="1"/>
       </p:transition>
     </mc:Choice>
-    <mc:Fallback>
+    <mc:Fallback xmlns="">
       <p:transition spd="slow">
         <p:fade/>
       </p:transition>
@@ -11293,7 +11101,7 @@
       </p:grpSpPr>
       <p:sp>
         <p:nvSpPr>
-          <p:cNvPr id="4" name="Title 3"/>
+          <p:cNvPr id="2" name="Title 1"/>
           <p:cNvSpPr>
             <a:spLocks noGrp="1"/>
           </p:cNvSpPr>
@@ -11307,140 +11115,270 @@
           <a:lstStyle/>
           <a:p>
             <a:r>
-              <a:rPr lang="en-US" dirty="0" smtClean="0"/>
-              <a:t>Thank you for your attention!</a:t>
-            </a:r>
-            <a:endParaRPr lang="en-US" dirty="0"/>
-          </a:p>
-        </p:txBody>
-      </p:sp>
-      <p:sp>
-        <p:nvSpPr>
-          <p:cNvPr id="5" name="Text Placeholder 4"/>
-          <p:cNvSpPr>
-            <a:spLocks noGrp="1"/>
-          </p:cNvSpPr>
-          <p:nvPr>
-            <p:ph type="body" sz="half" idx="2"/>
-          </p:nvPr>
-        </p:nvSpPr>
-        <p:spPr/>
+              <a:rPr lang="de-DE" dirty="0"/>
+              <a:t>7</a:t>
+            </a:r>
+            <a:r>
+              <a:rPr lang="de-DE" dirty="0" smtClean="0"/>
+              <a:t> </a:t>
+            </a:r>
+            <a:r>
+              <a:rPr lang="de-DE" dirty="0" err="1" smtClean="0"/>
+              <a:t>Conclusion</a:t>
+            </a:r>
+            <a:endParaRPr lang="de-DE" dirty="0"/>
+          </a:p>
+        </p:txBody>
+      </p:sp>
+      <p:sp>
+        <p:nvSpPr>
+          <p:cNvPr id="3" name="Content Placeholder 2"/>
+          <p:cNvSpPr>
+            <a:spLocks noGrp="1"/>
+          </p:cNvSpPr>
+          <p:nvPr>
+            <p:ph idx="1"/>
+          </p:nvPr>
+        </p:nvSpPr>
+        <p:spPr>
+          <a:xfrm>
+            <a:off x="680321" y="2310994"/>
+            <a:ext cx="6738396" cy="3599316"/>
+          </a:xfrm>
+        </p:spPr>
         <p:txBody>
           <a:bodyPr/>
           <a:lstStyle/>
           <a:p>
-            <a:pPr algn="r"/>
-            <a:r>
-              <a:rPr lang="en-US" dirty="0" smtClean="0"/>
-              <a:t>Christoph Meise</a:t>
-            </a:r>
-            <a:endParaRPr lang="en-US" dirty="0"/>
-          </a:p>
-        </p:txBody>
-      </p:sp>
-      <p:pic>
-        <p:nvPicPr>
-          <p:cNvPr id="8" name="Picture 7"/>
-          <p:cNvPicPr>
-            <a:picLocks noChangeAspect="1"/>
-          </p:cNvPicPr>
-          <p:nvPr/>
-        </p:nvPicPr>
-        <p:blipFill>
-          <a:blip r:embed="rId3">
-            <a:extLst>
-              <a:ext uri="{BEBA8EAE-BF5A-486C-A8C5-ECC9F3942E4B}">
-                <a14:imgProps xmlns:a14="http://schemas.microsoft.com/office/drawing/2010/main" xmlns="">
-                  <a14:imgLayer r:embed="rId4">
-                    <a14:imgEffect>
-                      <a14:backgroundRemoval t="912" b="100000" l="2198" r="100000">
-                        <a14:foregroundMark x1="45879" y1="10942" x2="45879" y2="10942"/>
-                        <a14:foregroundMark x1="51648" y1="30699" x2="51648" y2="30699"/>
-                      </a14:backgroundRemoval>
-                    </a14:imgEffect>
-                  </a14:imgLayer>
-                </a14:imgProps>
-              </a:ext>
-            </a:extLst>
-          </a:blip>
-          <a:stretch>
-            <a:fillRect/>
-          </a:stretch>
-        </p:blipFill>
-        <p:spPr>
-          <a:xfrm>
-            <a:off x="961912" y="351284"/>
-            <a:ext cx="3467100" cy="3133725"/>
-          </a:xfrm>
-          <a:prstGeom prst="rect">
-            <a:avLst/>
-          </a:prstGeom>
-          <a:ln>
-            <a:noFill/>
-          </a:ln>
-          <a:effectLst>
-            <a:reflection blurRad="12700" stA="30000" endPos="30000" dist="5000" dir="5400000" sy="-100000" algn="bl" rotWithShape="0"/>
-          </a:effectLst>
-          <a:scene3d>
-            <a:camera prst="perspectiveContrastingLeftFacing">
-              <a:rot lat="300000" lon="19800000" rev="0"/>
-            </a:camera>
-            <a:lightRig rig="threePt" dir="t">
-              <a:rot lat="0" lon="0" rev="2700000"/>
-            </a:lightRig>
-          </a:scene3d>
-          <a:sp3d>
-            <a:bevelT w="63500" h="50800"/>
-          </a:sp3d>
-        </p:spPr>
-      </p:pic>
-      <p:sp>
-        <p:nvSpPr>
-          <p:cNvPr id="10" name="TextBox 9"/>
-          <p:cNvSpPr txBox="1"/>
-          <p:nvPr/>
-        </p:nvSpPr>
-        <p:spPr>
-          <a:xfrm>
-            <a:off x="4429012" y="1333371"/>
-            <a:ext cx="6081451" cy="584775"/>
-          </a:xfrm>
-          <a:prstGeom prst="rect">
-            <a:avLst/>
-          </a:prstGeom>
-          <a:noFill/>
-        </p:spPr>
-        <p:txBody>
-          <a:bodyPr wrap="square" rtlCol="0">
-            <a:spAutoFit/>
-          </a:bodyPr>
-          <a:lstStyle/>
-          <a:p>
-            <a:r>
-              <a:rPr lang="en-US" sz="3200" b="1" dirty="0" smtClean="0"/>
-              <a:t>Feel free to ask any Questions</a:t>
-            </a:r>
-            <a:endParaRPr lang="en-US" sz="3200" b="1" dirty="0"/>
+            <a:r>
+              <a:rPr lang="de-DE" dirty="0" smtClean="0"/>
+              <a:t>Gamification </a:t>
+            </a:r>
+            <a:r>
+              <a:rPr lang="de-DE" dirty="0" err="1" smtClean="0"/>
+              <a:t>is</a:t>
+            </a:r>
+            <a:r>
+              <a:rPr lang="de-DE" dirty="0" smtClean="0"/>
+              <a:t> a </a:t>
+            </a:r>
+            <a:r>
+              <a:rPr lang="de-DE" dirty="0" err="1" smtClean="0"/>
+              <a:t>concept</a:t>
+            </a:r>
+            <a:r>
+              <a:rPr lang="de-DE" dirty="0" smtClean="0"/>
+              <a:t> </a:t>
+            </a:r>
+            <a:r>
+              <a:rPr lang="de-DE" dirty="0" err="1" smtClean="0"/>
+              <a:t>that</a:t>
+            </a:r>
+            <a:r>
+              <a:rPr lang="de-DE" dirty="0" smtClean="0"/>
+              <a:t> </a:t>
+            </a:r>
+            <a:r>
+              <a:rPr lang="de-DE" dirty="0" err="1" smtClean="0"/>
+              <a:t>can</a:t>
+            </a:r>
+            <a:r>
+              <a:rPr lang="de-DE" dirty="0" smtClean="0"/>
+              <a:t> </a:t>
+            </a:r>
+            <a:r>
+              <a:rPr lang="de-DE" dirty="0" err="1" smtClean="0"/>
+              <a:t>strengthen</a:t>
+            </a:r>
+            <a:r>
+              <a:rPr lang="de-DE" dirty="0" smtClean="0"/>
+              <a:t> </a:t>
+            </a:r>
+            <a:r>
+              <a:rPr lang="de-DE" dirty="0" err="1" smtClean="0"/>
+              <a:t>customer</a:t>
+            </a:r>
+            <a:r>
+              <a:rPr lang="de-DE" dirty="0" smtClean="0"/>
+              <a:t> </a:t>
+            </a:r>
+            <a:r>
+              <a:rPr lang="de-DE" dirty="0" err="1" smtClean="0"/>
+              <a:t>loyalty</a:t>
+            </a:r>
+            <a:endParaRPr lang="de-DE" dirty="0"/>
+          </a:p>
+          <a:p>
+            <a:r>
+              <a:rPr lang="de-DE" dirty="0" err="1" smtClean="0"/>
+              <a:t>Based</a:t>
+            </a:r>
+            <a:r>
+              <a:rPr lang="de-DE" dirty="0" smtClean="0"/>
+              <a:t> on </a:t>
+            </a:r>
+            <a:r>
+              <a:rPr lang="de-DE" dirty="0" err="1" smtClean="0"/>
+              <a:t>underlying</a:t>
+            </a:r>
+            <a:r>
+              <a:rPr lang="de-DE" dirty="0" smtClean="0"/>
+              <a:t> </a:t>
+            </a:r>
+            <a:r>
+              <a:rPr lang="de-DE" dirty="0" err="1" smtClean="0"/>
+              <a:t>psychological</a:t>
+            </a:r>
+            <a:r>
+              <a:rPr lang="de-DE" dirty="0" smtClean="0"/>
+              <a:t> </a:t>
+            </a:r>
+            <a:r>
+              <a:rPr lang="de-DE" dirty="0" err="1" smtClean="0"/>
+              <a:t>reasons</a:t>
+            </a:r>
+            <a:r>
+              <a:rPr lang="de-DE" dirty="0" smtClean="0"/>
+              <a:t> like </a:t>
+            </a:r>
+            <a:r>
+              <a:rPr lang="de-DE" dirty="0" err="1" smtClean="0"/>
+              <a:t>autonomy</a:t>
+            </a:r>
+            <a:r>
+              <a:rPr lang="de-DE" dirty="0" smtClean="0"/>
+              <a:t>, </a:t>
+            </a:r>
+            <a:r>
+              <a:rPr lang="de-DE" dirty="0" err="1" smtClean="0"/>
+              <a:t>mastery</a:t>
+            </a:r>
+            <a:r>
+              <a:rPr lang="de-DE" dirty="0" smtClean="0"/>
+              <a:t> </a:t>
+            </a:r>
+            <a:r>
+              <a:rPr lang="de-DE" dirty="0" err="1" smtClean="0"/>
+              <a:t>and</a:t>
+            </a:r>
+            <a:r>
+              <a:rPr lang="de-DE" dirty="0" smtClean="0"/>
+              <a:t> </a:t>
+            </a:r>
+            <a:r>
+              <a:rPr lang="de-DE" dirty="0" err="1" smtClean="0"/>
+              <a:t>purpose</a:t>
+            </a:r>
+            <a:endParaRPr lang="de-DE" dirty="0" smtClean="0"/>
+          </a:p>
+          <a:p>
+            <a:r>
+              <a:rPr lang="de-DE" dirty="0" smtClean="0"/>
+              <a:t>Easy </a:t>
+            </a:r>
+            <a:r>
+              <a:rPr lang="de-DE" dirty="0" err="1" smtClean="0"/>
+              <a:t>to</a:t>
+            </a:r>
+            <a:r>
+              <a:rPr lang="de-DE" dirty="0" smtClean="0"/>
+              <a:t> </a:t>
+            </a:r>
+            <a:r>
+              <a:rPr lang="de-DE" dirty="0" err="1" smtClean="0"/>
+              <a:t>use</a:t>
+            </a:r>
+            <a:r>
+              <a:rPr lang="de-DE" dirty="0" smtClean="0"/>
+              <a:t> </a:t>
+            </a:r>
+            <a:r>
+              <a:rPr lang="de-DE" dirty="0" err="1" smtClean="0"/>
+              <a:t>plugins</a:t>
+            </a:r>
+            <a:r>
+              <a:rPr lang="de-DE" dirty="0" smtClean="0"/>
+              <a:t> </a:t>
+            </a:r>
+            <a:r>
+              <a:rPr lang="de-DE" dirty="0" err="1" smtClean="0"/>
+              <a:t>for</a:t>
+            </a:r>
+            <a:r>
+              <a:rPr lang="de-DE" dirty="0" smtClean="0"/>
+              <a:t> a quick </a:t>
+            </a:r>
+            <a:r>
+              <a:rPr lang="de-DE" dirty="0" err="1" smtClean="0"/>
+              <a:t>implementation</a:t>
+            </a:r>
+            <a:endParaRPr lang="de-DE" dirty="0" smtClean="0"/>
+          </a:p>
+          <a:p>
+            <a:r>
+              <a:rPr lang="de-DE" dirty="0" smtClean="0"/>
+              <a:t>Can also </a:t>
+            </a:r>
+            <a:r>
+              <a:rPr lang="de-DE" dirty="0" err="1" smtClean="0"/>
+              <a:t>be</a:t>
+            </a:r>
+            <a:r>
+              <a:rPr lang="de-DE" dirty="0" smtClean="0"/>
+              <a:t> </a:t>
+            </a:r>
+            <a:r>
+              <a:rPr lang="de-DE" dirty="0" err="1" smtClean="0"/>
+              <a:t>useful</a:t>
+            </a:r>
+            <a:r>
+              <a:rPr lang="de-DE" dirty="0" smtClean="0"/>
+              <a:t> </a:t>
+            </a:r>
+            <a:r>
+              <a:rPr lang="de-DE" dirty="0" err="1" smtClean="0"/>
+              <a:t>for</a:t>
+            </a:r>
+            <a:r>
+              <a:rPr lang="de-DE" dirty="0" smtClean="0"/>
+              <a:t> </a:t>
+            </a:r>
+            <a:r>
+              <a:rPr lang="de-DE" i="1" dirty="0" err="1" smtClean="0"/>
+              <a:t>your</a:t>
+            </a:r>
+            <a:r>
+              <a:rPr lang="de-DE" dirty="0" smtClean="0"/>
+              <a:t> </a:t>
+            </a:r>
+            <a:r>
+              <a:rPr lang="de-DE" dirty="0" err="1" smtClean="0"/>
+              <a:t>projects</a:t>
+            </a:r>
+            <a:r>
+              <a:rPr lang="de-DE" dirty="0" smtClean="0"/>
+              <a:t> </a:t>
+            </a:r>
           </a:p>
         </p:txBody>
       </p:sp>
     </p:spTree>
     <p:extLst>
       <p:ext uri="{BB962C8B-B14F-4D97-AF65-F5344CB8AC3E}">
-        <p14:creationId xmlns:p14="http://schemas.microsoft.com/office/powerpoint/2010/main" xmlns="" val="2865496096"/>
+        <p14:creationId xmlns:p14="http://schemas.microsoft.com/office/powerpoint/2010/main" val="1853776390"/>
       </p:ext>
     </p:extLst>
   </p:cSld>
   <p:clrMapOvr>
     <a:masterClrMapping/>
   </p:clrMapOvr>
-  <mc:AlternateContent xmlns:mc="http://schemas.openxmlformats.org/markup-compatibility/2006">
-    <mc:Choice xmlns:p14="http://schemas.microsoft.com/office/powerpoint/2010/main" xmlns="" Requires="p14">
+  <mc:AlternateContent xmlns:mc="http://schemas.openxmlformats.org/markup-compatibility/2006" xmlns:p14="http://schemas.microsoft.com/office/powerpoint/2010/main">
+    <mc:Choice Requires="p14">
       <p:transition spd="slow">
         <p14:prism isContent="1"/>
       </p:transition>
     </mc:Choice>
-    <mc:Fallback>
+    <mc:Fallback xmlns="">
       <p:transition spd="slow">
         <p:fade/>
       </p:transition>
@@ -11475,7 +11413,7 @@
       </p:grpSpPr>
       <p:sp>
         <p:nvSpPr>
-          <p:cNvPr id="2" name="Title 1"/>
+          <p:cNvPr id="4" name="Title 3"/>
           <p:cNvSpPr>
             <a:spLocks noGrp="1"/>
           </p:cNvSpPr>
@@ -11489,210 +11427,392 @@
           <a:lstStyle/>
           <a:p>
             <a:r>
-              <a:rPr lang="de-DE" dirty="0"/>
-              <a:t>8</a:t>
-            </a:r>
-            <a:r>
-              <a:rPr lang="de-DE" dirty="0" smtClean="0"/>
-              <a:t> Sources</a:t>
-            </a:r>
-            <a:endParaRPr lang="de-DE" dirty="0"/>
-          </a:p>
-        </p:txBody>
-      </p:sp>
-      <p:sp>
-        <p:nvSpPr>
-          <p:cNvPr id="3" name="Content Placeholder 2"/>
-          <p:cNvSpPr>
-            <a:spLocks noGrp="1"/>
-          </p:cNvSpPr>
-          <p:nvPr>
-            <p:ph idx="1"/>
-          </p:nvPr>
-        </p:nvSpPr>
-        <p:spPr>
-          <a:xfrm>
-            <a:off x="680321" y="2336873"/>
-            <a:ext cx="11043593" cy="4276198"/>
-          </a:xfrm>
-        </p:spPr>
-        <p:txBody>
-          <a:bodyPr>
-            <a:normAutofit fontScale="92500" lnSpcReduction="20000"/>
+              <a:rPr lang="en-US" dirty="0" smtClean="0"/>
+              <a:t>Thank you for your attention!</a:t>
+            </a:r>
+            <a:endParaRPr lang="en-US" dirty="0"/>
+          </a:p>
+        </p:txBody>
+      </p:sp>
+      <p:sp>
+        <p:nvSpPr>
+          <p:cNvPr id="5" name="Text Placeholder 4"/>
+          <p:cNvSpPr>
+            <a:spLocks noGrp="1"/>
+          </p:cNvSpPr>
+          <p:nvPr>
+            <p:ph type="body" sz="half" idx="2"/>
+          </p:nvPr>
+        </p:nvSpPr>
+        <p:spPr/>
+        <p:txBody>
+          <a:bodyPr/>
+          <a:lstStyle/>
+          <a:p>
+            <a:pPr algn="r"/>
+            <a:r>
+              <a:rPr lang="en-US" dirty="0" smtClean="0"/>
+              <a:t>Christoph Meise</a:t>
+            </a:r>
+            <a:endParaRPr lang="en-US" dirty="0"/>
+          </a:p>
+        </p:txBody>
+      </p:sp>
+      <p:pic>
+        <p:nvPicPr>
+          <p:cNvPr id="8" name="Picture 7"/>
+          <p:cNvPicPr>
+            <a:picLocks noChangeAspect="1"/>
+          </p:cNvPicPr>
+          <p:nvPr/>
+        </p:nvPicPr>
+        <p:blipFill>
+          <a:blip r:embed="rId3">
+            <a:extLst>
+              <a:ext uri="{BEBA8EAE-BF5A-486C-A8C5-ECC9F3942E4B}">
+                <a14:imgProps xmlns:a14="http://schemas.microsoft.com/office/drawing/2010/main">
+                  <a14:imgLayer r:embed="rId4">
+                    <a14:imgEffect>
+                      <a14:backgroundRemoval t="912" b="100000" l="2198" r="100000">
+                        <a14:foregroundMark x1="45879" y1="10942" x2="45879" y2="10942"/>
+                        <a14:foregroundMark x1="51648" y1="30699" x2="51648" y2="30699"/>
+                      </a14:backgroundRemoval>
+                    </a14:imgEffect>
+                  </a14:imgLayer>
+                </a14:imgProps>
+              </a:ext>
+            </a:extLst>
+          </a:blip>
+          <a:stretch>
+            <a:fillRect/>
+          </a:stretch>
+        </p:blipFill>
+        <p:spPr>
+          <a:xfrm>
+            <a:off x="961912" y="351284"/>
+            <a:ext cx="3467100" cy="3133725"/>
+          </a:xfrm>
+          <a:prstGeom prst="rect">
+            <a:avLst/>
+          </a:prstGeom>
+          <a:ln>
+            <a:noFill/>
+          </a:ln>
+          <a:effectLst>
+            <a:reflection blurRad="12700" stA="30000" endPos="30000" dist="5000" dir="5400000" sy="-100000" algn="bl" rotWithShape="0"/>
+          </a:effectLst>
+          <a:scene3d>
+            <a:camera prst="perspectiveContrastingLeftFacing">
+              <a:rot lat="300000" lon="19800000" rev="0"/>
+            </a:camera>
+            <a:lightRig rig="threePt" dir="t">
+              <a:rot lat="0" lon="0" rev="2700000"/>
+            </a:lightRig>
+          </a:scene3d>
+          <a:sp3d>
+            <a:bevelT w="63500" h="50800"/>
+          </a:sp3d>
+        </p:spPr>
+      </p:pic>
+      <p:sp>
+        <p:nvSpPr>
+          <p:cNvPr id="10" name="TextBox 9"/>
+          <p:cNvSpPr txBox="1"/>
+          <p:nvPr/>
+        </p:nvSpPr>
+        <p:spPr>
+          <a:xfrm>
+            <a:off x="4429012" y="1333371"/>
+            <a:ext cx="6081451" cy="584775"/>
+          </a:xfrm>
+          <a:prstGeom prst="rect">
+            <a:avLst/>
+          </a:prstGeom>
+          <a:noFill/>
+        </p:spPr>
+        <p:txBody>
+          <a:bodyPr wrap="square" rtlCol="0">
+            <a:spAutoFit/>
           </a:bodyPr>
           <a:lstStyle/>
           <a:p>
             <a:r>
-              <a:rPr lang="de-DE" sz="1600" dirty="0"/>
-              <a:t>https://</a:t>
-            </a:r>
-            <a:r>
-              <a:rPr lang="de-DE" sz="1600" dirty="0" smtClean="0"/>
-              <a:t>captainup.com/assets/splash/captain-77de49384879ff64e084bd224a03ab61.png</a:t>
-            </a:r>
-          </a:p>
-          <a:p>
-            <a:r>
-              <a:rPr lang="de-DE" sz="1600" dirty="0"/>
-              <a:t>http://</a:t>
-            </a:r>
-            <a:r>
-              <a:rPr lang="de-DE" sz="1600" dirty="0" smtClean="0"/>
-              <a:t>www.ipdigit.eu/wp-content/uploads/2013/03/mzl.gqzyggze.png</a:t>
-            </a:r>
-          </a:p>
-          <a:p>
-            <a:r>
-              <a:rPr lang="de-DE" sz="1600" dirty="0"/>
-              <a:t>http://</a:t>
-            </a:r>
-            <a:r>
-              <a:rPr lang="de-DE" sz="1600" dirty="0" smtClean="0"/>
-              <a:t>www.southernsavers.com/wp-content/uploads/2016/02/my-starbucks-rewards.jpg</a:t>
-            </a:r>
-          </a:p>
-          <a:p>
-            <a:r>
-              <a:rPr lang="de-DE" sz="1600" dirty="0"/>
-              <a:t>https://</a:t>
-            </a:r>
-            <a:r>
-              <a:rPr lang="de-DE" sz="1600" dirty="0" smtClean="0"/>
-              <a:t>captainup.com/manage/help/setup</a:t>
-            </a:r>
-          </a:p>
-          <a:p>
-            <a:r>
-              <a:rPr lang="de-DE" sz="1600" dirty="0" smtClean="0"/>
-              <a:t>https</a:t>
-            </a:r>
-            <a:r>
-              <a:rPr lang="de-DE" sz="1600" dirty="0"/>
-              <a:t>://captainup.com/docs/guides</a:t>
-            </a:r>
-            <a:r>
-              <a:rPr lang="de-DE" sz="1600" dirty="0" smtClean="0"/>
-              <a:t>/</a:t>
-            </a:r>
-          </a:p>
-          <a:p>
-            <a:r>
-              <a:rPr lang="de-DE" sz="1600" dirty="0"/>
-              <a:t>http://</a:t>
-            </a:r>
-            <a:r>
-              <a:rPr lang="de-DE" sz="1600" dirty="0" smtClean="0"/>
-              <a:t>scn.sap.com/thread/3865465</a:t>
-            </a:r>
-          </a:p>
-          <a:p>
-            <a:r>
-              <a:rPr lang="de-DE" sz="1600" dirty="0"/>
-              <a:t>https://</a:t>
-            </a:r>
-            <a:r>
-              <a:rPr lang="de-DE" sz="1600" dirty="0" smtClean="0"/>
-              <a:t>en.wikipedia.org/wiki/Gamification</a:t>
-            </a:r>
-          </a:p>
-          <a:p>
-            <a:r>
-              <a:rPr lang="de-DE" sz="1600" dirty="0"/>
-              <a:t>https://</a:t>
-            </a:r>
-            <a:r>
-              <a:rPr lang="de-DE" sz="1600" dirty="0" smtClean="0"/>
-              <a:t>upload.wikimedia.org/wikipedia/commons/thumb/4/48/EBay_logo.png/640px-EBay_logo.png</a:t>
-            </a:r>
-          </a:p>
-          <a:p>
-            <a:r>
-              <a:rPr lang="de-DE" sz="1600" dirty="0"/>
-              <a:t>https://</a:t>
-            </a:r>
-            <a:r>
-              <a:rPr lang="de-DE" sz="1600" dirty="0" smtClean="0"/>
-              <a:t>lh4.ggpht.com/jEV6nsNv-638GnXkiO5Cfk6zF5lKZCZuWdOtmlL_7PXR79vgteOIHcNDPhNYqGC7dzg=w300</a:t>
-            </a:r>
-            <a:endParaRPr lang="de-DE" sz="1600" dirty="0"/>
-          </a:p>
-          <a:p>
-            <a:r>
-              <a:rPr lang="de-DE" sz="1600" b="1" dirty="0"/>
-              <a:t>http://www.gamified.uk/gamification-framework/the-intrinsic-motivation-ramp</a:t>
-            </a:r>
-            <a:r>
-              <a:rPr lang="de-DE" sz="1600" b="1" dirty="0" smtClean="0"/>
-              <a:t>/</a:t>
-            </a:r>
-          </a:p>
-          <a:p>
-            <a:r>
-              <a:rPr lang="de-DE" sz="1600" b="1" dirty="0"/>
-              <a:t>http://</a:t>
-            </a:r>
-            <a:r>
-              <a:rPr lang="de-DE" sz="1600" b="1" dirty="0" smtClean="0"/>
-              <a:t>www.vksi.de/wp-content/uploads/2015/01/gamification_ICL_BerklingFullPaper.pdf</a:t>
-            </a:r>
-          </a:p>
-          <a:p>
-            <a:r>
-              <a:rPr lang="de-DE" sz="1600" b="1" dirty="0"/>
-              <a:t>http://</a:t>
-            </a:r>
-            <a:r>
-              <a:rPr lang="de-DE" sz="1600" b="1" dirty="0" smtClean="0"/>
-              <a:t>www.sourcefreak.com/wp-content/uploads/apache-tomcat.png</a:t>
-            </a:r>
-          </a:p>
-          <a:p>
-            <a:r>
-              <a:rPr lang="de-DE" sz="1600" b="1" dirty="0"/>
-              <a:t>http://www.gameffective.com/gamification-basics/will-80-of-gamification-projects-fail</a:t>
-            </a:r>
-            <a:r>
-              <a:rPr lang="de-DE" sz="1600" b="1" dirty="0" smtClean="0"/>
-              <a:t>/</a:t>
-            </a:r>
-          </a:p>
-          <a:p>
-            <a:r>
-              <a:rPr lang="de-DE" sz="1600" b="1" dirty="0"/>
-              <a:t>http://www.destinationcrm.com/Articles/Web-Exclusives/Viewpoints/The-Problem-with-Gamification-87770.aspx</a:t>
-            </a:r>
-            <a:endParaRPr lang="de-DE" sz="1600" b="1" dirty="0" smtClean="0"/>
-          </a:p>
-          <a:p>
-            <a:endParaRPr lang="de-DE" sz="1600" dirty="0" smtClean="0"/>
-          </a:p>
-          <a:p>
-            <a:pPr algn="r"/>
-            <a:endParaRPr lang="de-DE" sz="1600" u="sng" dirty="0" smtClean="0"/>
-          </a:p>
-          <a:p>
-            <a:pPr algn="r"/>
-            <a:endParaRPr lang="de-DE" sz="1600" u="sng" dirty="0"/>
+              <a:rPr lang="en-US" sz="3200" b="1" dirty="0" smtClean="0"/>
+              <a:t>Feel free to ask any Questions</a:t>
+            </a:r>
+            <a:endParaRPr lang="en-US" sz="3200" b="1" dirty="0"/>
           </a:p>
         </p:txBody>
       </p:sp>
     </p:spTree>
     <p:extLst>
       <p:ext uri="{BB962C8B-B14F-4D97-AF65-F5344CB8AC3E}">
-        <p14:creationId xmlns:p14="http://schemas.microsoft.com/office/powerpoint/2010/main" xmlns="" val="1016008837"/>
+        <p14:creationId xmlns:p14="http://schemas.microsoft.com/office/powerpoint/2010/main" val="2865496096"/>
       </p:ext>
     </p:extLst>
   </p:cSld>
   <p:clrMapOvr>
     <a:masterClrMapping/>
   </p:clrMapOvr>
-  <mc:AlternateContent xmlns:mc="http://schemas.openxmlformats.org/markup-compatibility/2006">
-    <mc:Choice xmlns:p14="http://schemas.microsoft.com/office/powerpoint/2010/main" xmlns="" Requires="p14">
+  <mc:AlternateContent xmlns:mc="http://schemas.openxmlformats.org/markup-compatibility/2006" xmlns:p14="http://schemas.microsoft.com/office/powerpoint/2010/main">
+    <mc:Choice Requires="p14">
       <p:transition spd="slow">
         <p14:prism isContent="1"/>
       </p:transition>
     </mc:Choice>
-    <mc:Fallback>
+    <mc:Fallback xmlns="">
+      <p:transition spd="slow">
+        <p:fade/>
+      </p:transition>
+    </mc:Fallback>
+  </mc:AlternateContent>
+  <p:timing>
+    <p:tnLst>
+      <p:par>
+        <p:cTn id="1" dur="indefinite" restart="never" nodeType="tmRoot"/>
+      </p:par>
+    </p:tnLst>
+  </p:timing>
+</p:sld>
+</file>
+
+<file path=ppt/slides/slide17.xml><?xml version="1.0" encoding="utf-8"?>
+<p:sld xmlns:a="http://schemas.openxmlformats.org/drawingml/2006/main" xmlns:r="http://schemas.openxmlformats.org/officeDocument/2006/relationships" xmlns:p="http://schemas.openxmlformats.org/presentationml/2006/main">
+  <p:cSld>
+    <p:spTree>
+      <p:nvGrpSpPr>
+        <p:cNvPr id="1" name=""/>
+        <p:cNvGrpSpPr/>
+        <p:nvPr/>
+      </p:nvGrpSpPr>
+      <p:grpSpPr>
+        <a:xfrm>
+          <a:off x="0" y="0"/>
+          <a:ext cx="0" cy="0"/>
+          <a:chOff x="0" y="0"/>
+          <a:chExt cx="0" cy="0"/>
+        </a:xfrm>
+      </p:grpSpPr>
+      <p:sp>
+        <p:nvSpPr>
+          <p:cNvPr id="2" name="Title 1"/>
+          <p:cNvSpPr>
+            <a:spLocks noGrp="1"/>
+          </p:cNvSpPr>
+          <p:nvPr>
+            <p:ph type="title"/>
+          </p:nvPr>
+        </p:nvSpPr>
+        <p:spPr/>
+        <p:txBody>
+          <a:bodyPr/>
+          <a:lstStyle/>
+          <a:p>
+            <a:r>
+              <a:rPr lang="de-DE" dirty="0"/>
+              <a:t>8</a:t>
+            </a:r>
+            <a:r>
+              <a:rPr lang="de-DE" dirty="0" smtClean="0"/>
+              <a:t> Sources</a:t>
+            </a:r>
+            <a:endParaRPr lang="de-DE" dirty="0"/>
+          </a:p>
+        </p:txBody>
+      </p:sp>
+      <p:sp>
+        <p:nvSpPr>
+          <p:cNvPr id="3" name="Content Placeholder 2"/>
+          <p:cNvSpPr>
+            <a:spLocks noGrp="1"/>
+          </p:cNvSpPr>
+          <p:nvPr>
+            <p:ph idx="1"/>
+          </p:nvPr>
+        </p:nvSpPr>
+        <p:spPr>
+          <a:xfrm>
+            <a:off x="680321" y="2336873"/>
+            <a:ext cx="11043593" cy="4276198"/>
+          </a:xfrm>
+        </p:spPr>
+        <p:txBody>
+          <a:bodyPr>
+            <a:normAutofit fontScale="92500" lnSpcReduction="20000"/>
+          </a:bodyPr>
+          <a:lstStyle/>
+          <a:p>
+            <a:r>
+              <a:rPr lang="de-DE" sz="1600" dirty="0"/>
+              <a:t>https://</a:t>
+            </a:r>
+            <a:r>
+              <a:rPr lang="de-DE" sz="1600" dirty="0" smtClean="0"/>
+              <a:t>captainup.com/assets/splash/captain-77de49384879ff64e084bd224a03ab61.png</a:t>
+            </a:r>
+          </a:p>
+          <a:p>
+            <a:r>
+              <a:rPr lang="de-DE" sz="1600" dirty="0"/>
+              <a:t>http://</a:t>
+            </a:r>
+            <a:r>
+              <a:rPr lang="de-DE" sz="1600" dirty="0" smtClean="0"/>
+              <a:t>www.ipdigit.eu/wp-content/uploads/2013/03/mzl.gqzyggze.png</a:t>
+            </a:r>
+          </a:p>
+          <a:p>
+            <a:r>
+              <a:rPr lang="de-DE" sz="1600" dirty="0"/>
+              <a:t>http://</a:t>
+            </a:r>
+            <a:r>
+              <a:rPr lang="de-DE" sz="1600" dirty="0" smtClean="0"/>
+              <a:t>www.southernsavers.com/wp-content/uploads/2016/02/my-starbucks-rewards.jpg</a:t>
+            </a:r>
+          </a:p>
+          <a:p>
+            <a:r>
+              <a:rPr lang="de-DE" sz="1600" dirty="0"/>
+              <a:t>https://</a:t>
+            </a:r>
+            <a:r>
+              <a:rPr lang="de-DE" sz="1600" dirty="0" smtClean="0"/>
+              <a:t>captainup.com/manage/help/setup</a:t>
+            </a:r>
+          </a:p>
+          <a:p>
+            <a:r>
+              <a:rPr lang="de-DE" sz="1600" dirty="0" smtClean="0"/>
+              <a:t>https</a:t>
+            </a:r>
+            <a:r>
+              <a:rPr lang="de-DE" sz="1600" dirty="0"/>
+              <a:t>://captainup.com/docs/guides</a:t>
+            </a:r>
+            <a:r>
+              <a:rPr lang="de-DE" sz="1600" dirty="0" smtClean="0"/>
+              <a:t>/</a:t>
+            </a:r>
+          </a:p>
+          <a:p>
+            <a:r>
+              <a:rPr lang="de-DE" sz="1600" dirty="0"/>
+              <a:t>http://</a:t>
+            </a:r>
+            <a:r>
+              <a:rPr lang="de-DE" sz="1600" dirty="0" smtClean="0"/>
+              <a:t>scn.sap.com/thread/3865465</a:t>
+            </a:r>
+          </a:p>
+          <a:p>
+            <a:r>
+              <a:rPr lang="de-DE" sz="1600" dirty="0"/>
+              <a:t>https://</a:t>
+            </a:r>
+            <a:r>
+              <a:rPr lang="de-DE" sz="1600" dirty="0" smtClean="0"/>
+              <a:t>en.wikipedia.org/wiki/Gamification</a:t>
+            </a:r>
+          </a:p>
+          <a:p>
+            <a:r>
+              <a:rPr lang="de-DE" sz="1600" dirty="0"/>
+              <a:t>https://</a:t>
+            </a:r>
+            <a:r>
+              <a:rPr lang="de-DE" sz="1600" dirty="0" smtClean="0"/>
+              <a:t>upload.wikimedia.org/wikipedia/commons/thumb/4/48/EBay_logo.png/640px-EBay_logo.png</a:t>
+            </a:r>
+          </a:p>
+          <a:p>
+            <a:r>
+              <a:rPr lang="de-DE" sz="1600" dirty="0"/>
+              <a:t>https://</a:t>
+            </a:r>
+            <a:r>
+              <a:rPr lang="de-DE" sz="1600" dirty="0" smtClean="0"/>
+              <a:t>lh4.ggpht.com/jEV6nsNv-638GnXkiO5Cfk6zF5lKZCZuWdOtmlL_7PXR79vgteOIHcNDPhNYqGC7dzg=w300</a:t>
+            </a:r>
+            <a:endParaRPr lang="de-DE" sz="1600" dirty="0"/>
+          </a:p>
+          <a:p>
+            <a:r>
+              <a:rPr lang="de-DE" sz="1600" b="1" dirty="0"/>
+              <a:t>http://www.gamified.uk/gamification-framework/the-intrinsic-motivation-ramp</a:t>
+            </a:r>
+            <a:r>
+              <a:rPr lang="de-DE" sz="1600" b="1" dirty="0" smtClean="0"/>
+              <a:t>/</a:t>
+            </a:r>
+          </a:p>
+          <a:p>
+            <a:r>
+              <a:rPr lang="de-DE" sz="1600" b="1" dirty="0"/>
+              <a:t>http://</a:t>
+            </a:r>
+            <a:r>
+              <a:rPr lang="de-DE" sz="1600" b="1" dirty="0" smtClean="0"/>
+              <a:t>www.vksi.de/wp-content/uploads/2015/01/gamification_ICL_BerklingFullPaper.pdf</a:t>
+            </a:r>
+          </a:p>
+          <a:p>
+            <a:r>
+              <a:rPr lang="de-DE" sz="1600" b="1" dirty="0"/>
+              <a:t>http://</a:t>
+            </a:r>
+            <a:r>
+              <a:rPr lang="de-DE" sz="1600" b="1" dirty="0" smtClean="0"/>
+              <a:t>www.sourcefreak.com/wp-content/uploads/apache-tomcat.png</a:t>
+            </a:r>
+          </a:p>
+          <a:p>
+            <a:r>
+              <a:rPr lang="de-DE" sz="1600" b="1" dirty="0"/>
+              <a:t>http://www.gameffective.com/gamification-basics/will-80-of-gamification-projects-fail</a:t>
+            </a:r>
+            <a:r>
+              <a:rPr lang="de-DE" sz="1600" b="1" dirty="0" smtClean="0"/>
+              <a:t>/</a:t>
+            </a:r>
+          </a:p>
+          <a:p>
+            <a:r>
+              <a:rPr lang="de-DE" sz="1600" b="1" dirty="0"/>
+              <a:t>http://www.destinationcrm.com/Articles/Web-Exclusives/Viewpoints/The-Problem-with-Gamification-87770.aspx</a:t>
+            </a:r>
+            <a:endParaRPr lang="de-DE" sz="1600" b="1" dirty="0" smtClean="0"/>
+          </a:p>
+          <a:p>
+            <a:endParaRPr lang="de-DE" sz="1600" dirty="0" smtClean="0"/>
+          </a:p>
+          <a:p>
+            <a:pPr algn="r"/>
+            <a:endParaRPr lang="de-DE" sz="1600" u="sng" dirty="0" smtClean="0"/>
+          </a:p>
+          <a:p>
+            <a:pPr algn="r"/>
+            <a:endParaRPr lang="de-DE" sz="1600" u="sng" dirty="0"/>
+          </a:p>
+        </p:txBody>
+      </p:sp>
+    </p:spTree>
+    <p:extLst>
+      <p:ext uri="{BB962C8B-B14F-4D97-AF65-F5344CB8AC3E}">
+        <p14:creationId xmlns:p14="http://schemas.microsoft.com/office/powerpoint/2010/main" val="1016008837"/>
+      </p:ext>
+    </p:extLst>
+  </p:cSld>
+  <p:clrMapOvr>
+    <a:masterClrMapping/>
+  </p:clrMapOvr>
+  <mc:AlternateContent xmlns:mc="http://schemas.openxmlformats.org/markup-compatibility/2006" xmlns:p14="http://schemas.microsoft.com/office/powerpoint/2010/main">
+    <mc:Choice Requires="p14">
+      <p:transition spd="slow">
+        <p14:prism isContent="1"/>
+      </p:transition>
+    </mc:Choice>
+    <mc:Fallback xmlns="">
       <p:transition spd="slow">
         <p:fade/>
       </p:transition>
@@ -11856,20 +11976,20 @@
     </p:spTree>
     <p:extLst>
       <p:ext uri="{BB962C8B-B14F-4D97-AF65-F5344CB8AC3E}">
-        <p14:creationId xmlns:p14="http://schemas.microsoft.com/office/powerpoint/2010/main" xmlns="" val="186685773"/>
+        <p14:creationId xmlns:p14="http://schemas.microsoft.com/office/powerpoint/2010/main" val="186685773"/>
       </p:ext>
     </p:extLst>
   </p:cSld>
   <p:clrMapOvr>
     <a:masterClrMapping/>
   </p:clrMapOvr>
-  <mc:AlternateContent xmlns:mc="http://schemas.openxmlformats.org/markup-compatibility/2006">
-    <mc:Choice xmlns:p14="http://schemas.microsoft.com/office/powerpoint/2010/main" xmlns="" Requires="p14">
+  <mc:AlternateContent xmlns:mc="http://schemas.openxmlformats.org/markup-compatibility/2006" xmlns:p14="http://schemas.microsoft.com/office/powerpoint/2010/main">
+    <mc:Choice Requires="p14">
       <p:transition spd="slow">
         <p14:prism isContent="1"/>
       </p:transition>
     </mc:Choice>
-    <mc:Fallback>
+    <mc:Fallback xmlns="">
       <p:transition spd="slow">
         <p:fade/>
       </p:transition>
@@ -12036,7 +12156,7 @@
           <a:blip r:embed="rId3">
             <a:extLst>
               <a:ext uri="{28A0092B-C50C-407E-A947-70E740481C1C}">
-                <a14:useLocalDpi xmlns:a14="http://schemas.microsoft.com/office/drawing/2010/main" xmlns="" val="0"/>
+                <a14:useLocalDpi xmlns:a14="http://schemas.microsoft.com/office/drawing/2010/main" val="0"/>
               </a:ext>
             </a:extLst>
           </a:blip>
@@ -12102,20 +12222,20 @@
     </p:spTree>
     <p:extLst>
       <p:ext uri="{BB962C8B-B14F-4D97-AF65-F5344CB8AC3E}">
-        <p14:creationId xmlns:p14="http://schemas.microsoft.com/office/powerpoint/2010/main" xmlns="" val="3282936521"/>
+        <p14:creationId xmlns:p14="http://schemas.microsoft.com/office/powerpoint/2010/main" val="3282936521"/>
       </p:ext>
     </p:extLst>
   </p:cSld>
   <p:clrMapOvr>
     <a:masterClrMapping/>
   </p:clrMapOvr>
-  <mc:AlternateContent xmlns:mc="http://schemas.openxmlformats.org/markup-compatibility/2006">
-    <mc:Choice xmlns:p14="http://schemas.microsoft.com/office/powerpoint/2010/main" xmlns="" Requires="p14">
+  <mc:AlternateContent xmlns:mc="http://schemas.openxmlformats.org/markup-compatibility/2006" xmlns:p14="http://schemas.microsoft.com/office/powerpoint/2010/main">
+    <mc:Choice Requires="p14">
       <p:transition spd="slow">
         <p14:prism isContent="1"/>
       </p:transition>
     </mc:Choice>
-    <mc:Fallback>
+    <mc:Fallback xmlns="">
       <p:transition spd="slow">
         <p:fade/>
       </p:transition>
@@ -12332,20 +12452,20 @@
     </p:spTree>
     <p:extLst>
       <p:ext uri="{BB962C8B-B14F-4D97-AF65-F5344CB8AC3E}">
-        <p14:creationId xmlns:p14="http://schemas.microsoft.com/office/powerpoint/2010/main" xmlns="" val="190316799"/>
+        <p14:creationId xmlns:p14="http://schemas.microsoft.com/office/powerpoint/2010/main" val="190316799"/>
       </p:ext>
     </p:extLst>
   </p:cSld>
   <p:clrMapOvr>
     <a:masterClrMapping/>
   </p:clrMapOvr>
-  <mc:AlternateContent xmlns:mc="http://schemas.openxmlformats.org/markup-compatibility/2006">
-    <mc:Choice xmlns:p14="http://schemas.microsoft.com/office/powerpoint/2010/main" xmlns="" Requires="p14">
+  <mc:AlternateContent xmlns:mc="http://schemas.openxmlformats.org/markup-compatibility/2006" xmlns:p14="http://schemas.microsoft.com/office/powerpoint/2010/main">
+    <mc:Choice Requires="p14">
       <p:transition spd="slow">
         <p14:prism isContent="1"/>
       </p:transition>
     </mc:Choice>
-    <mc:Fallback>
+    <mc:Fallback xmlns="">
       <p:transition spd="slow">
         <p:fade/>
       </p:transition>
@@ -12413,7 +12533,7 @@
           <a:blip r:embed="rId3">
             <a:extLst>
               <a:ext uri="{28A0092B-C50C-407E-A947-70E740481C1C}">
-                <a14:useLocalDpi xmlns:a14="http://schemas.microsoft.com/office/drawing/2010/main" xmlns="" val="0"/>
+                <a14:useLocalDpi xmlns:a14="http://schemas.microsoft.com/office/drawing/2010/main" val="0"/>
               </a:ext>
             </a:extLst>
           </a:blip>
@@ -12438,7 +12558,7 @@
           </a:effectLst>
           <a:extLst>
             <a:ext uri="{909E8E84-426E-40DD-AFC4-6F175D3DCCD1}">
-              <a14:hiddenFill xmlns:a14="http://schemas.microsoft.com/office/drawing/2010/main" xmlns="">
+              <a14:hiddenFill xmlns:a14="http://schemas.microsoft.com/office/drawing/2010/main">
                 <a:solidFill>
                   <a:srgbClr val="FFFFFF"/>
                 </a:solidFill>
@@ -12459,7 +12579,7 @@
           <a:blip r:embed="rId4">
             <a:extLst>
               <a:ext uri="{28A0092B-C50C-407E-A947-70E740481C1C}">
-                <a14:useLocalDpi xmlns:a14="http://schemas.microsoft.com/office/drawing/2010/main" xmlns="" val="0"/>
+                <a14:useLocalDpi xmlns:a14="http://schemas.microsoft.com/office/drawing/2010/main" val="0"/>
               </a:ext>
             </a:extLst>
           </a:blip>
@@ -12488,7 +12608,7 @@
           </a:effectLst>
           <a:extLst>
             <a:ext uri="{909E8E84-426E-40DD-AFC4-6F175D3DCCD1}">
-              <a14:hiddenFill xmlns:a14="http://schemas.microsoft.com/office/drawing/2010/main" xmlns="">
+              <a14:hiddenFill xmlns:a14="http://schemas.microsoft.com/office/drawing/2010/main">
                 <a:solidFill>
                   <a:srgbClr val="FFFFFF"/>
                 </a:solidFill>
@@ -12509,7 +12629,7 @@
           <a:blip r:embed="rId5">
             <a:extLst>
               <a:ext uri="{28A0092B-C50C-407E-A947-70E740481C1C}">
-                <a14:useLocalDpi xmlns:a14="http://schemas.microsoft.com/office/drawing/2010/main" xmlns="" val="0"/>
+                <a14:useLocalDpi xmlns:a14="http://schemas.microsoft.com/office/drawing/2010/main" val="0"/>
               </a:ext>
             </a:extLst>
           </a:blip>
@@ -12538,7 +12658,7 @@
           </a:effectLst>
           <a:extLst>
             <a:ext uri="{909E8E84-426E-40DD-AFC4-6F175D3DCCD1}">
-              <a14:hiddenFill xmlns:a14="http://schemas.microsoft.com/office/drawing/2010/main" xmlns="">
+              <a14:hiddenFill xmlns:a14="http://schemas.microsoft.com/office/drawing/2010/main">
                 <a:solidFill>
                   <a:srgbClr val="FFFFFF"/>
                 </a:solidFill>
@@ -12559,7 +12679,7 @@
           <a:blip r:embed="rId6">
             <a:extLst>
               <a:ext uri="{28A0092B-C50C-407E-A947-70E740481C1C}">
-                <a14:useLocalDpi xmlns:a14="http://schemas.microsoft.com/office/drawing/2010/main" xmlns="" val="0"/>
+                <a14:useLocalDpi xmlns:a14="http://schemas.microsoft.com/office/drawing/2010/main" val="0"/>
               </a:ext>
             </a:extLst>
           </a:blip>
@@ -12579,7 +12699,7 @@
           <a:noFill/>
           <a:extLst>
             <a:ext uri="{909E8E84-426E-40DD-AFC4-6F175D3DCCD1}">
-              <a14:hiddenFill xmlns:a14="http://schemas.microsoft.com/office/drawing/2010/main" xmlns="">
+              <a14:hiddenFill xmlns:a14="http://schemas.microsoft.com/office/drawing/2010/main">
                 <a:solidFill>
                   <a:srgbClr val="FFFFFF"/>
                 </a:solidFill>
@@ -12591,20 +12711,20 @@
     </p:spTree>
     <p:extLst>
       <p:ext uri="{BB962C8B-B14F-4D97-AF65-F5344CB8AC3E}">
-        <p14:creationId xmlns:p14="http://schemas.microsoft.com/office/powerpoint/2010/main" xmlns="" val="1899701378"/>
+        <p14:creationId xmlns:p14="http://schemas.microsoft.com/office/powerpoint/2010/main" val="1899701378"/>
       </p:ext>
     </p:extLst>
   </p:cSld>
   <p:clrMapOvr>
     <a:masterClrMapping/>
   </p:clrMapOvr>
-  <mc:AlternateContent xmlns:mc="http://schemas.openxmlformats.org/markup-compatibility/2006">
-    <mc:Choice xmlns:p14="http://schemas.microsoft.com/office/powerpoint/2010/main" xmlns="" Requires="p14">
+  <mc:AlternateContent xmlns:mc="http://schemas.openxmlformats.org/markup-compatibility/2006" xmlns:p14="http://schemas.microsoft.com/office/powerpoint/2010/main">
+    <mc:Choice Requires="p14">
       <p:transition spd="slow">
         <p14:prism isContent="1"/>
       </p:transition>
     </mc:Choice>
-    <mc:Fallback>
+    <mc:Fallback xmlns="">
       <p:transition spd="slow">
         <p:fade/>
       </p:transition>
@@ -12672,7 +12792,7 @@
           <a:blip r:embed="rId3">
             <a:extLst>
               <a:ext uri="{28A0092B-C50C-407E-A947-70E740481C1C}">
-                <a14:useLocalDpi xmlns:a14="http://schemas.microsoft.com/office/drawing/2010/main" xmlns="" val="0"/>
+                <a14:useLocalDpi xmlns:a14="http://schemas.microsoft.com/office/drawing/2010/main" val="0"/>
               </a:ext>
             </a:extLst>
           </a:blip>
@@ -12703,20 +12823,20 @@
     </p:spTree>
     <p:extLst>
       <p:ext uri="{BB962C8B-B14F-4D97-AF65-F5344CB8AC3E}">
-        <p14:creationId xmlns:p14="http://schemas.microsoft.com/office/powerpoint/2010/main" xmlns="" val="1046938672"/>
+        <p14:creationId xmlns:p14="http://schemas.microsoft.com/office/powerpoint/2010/main" val="1046938672"/>
       </p:ext>
     </p:extLst>
   </p:cSld>
   <p:clrMapOvr>
     <a:masterClrMapping/>
   </p:clrMapOvr>
-  <mc:AlternateContent xmlns:mc="http://schemas.openxmlformats.org/markup-compatibility/2006">
-    <mc:Choice xmlns:p14="http://schemas.microsoft.com/office/powerpoint/2010/main" xmlns="" Requires="p14">
+  <mc:AlternateContent xmlns:mc="http://schemas.openxmlformats.org/markup-compatibility/2006" xmlns:p14="http://schemas.microsoft.com/office/powerpoint/2010/main">
+    <mc:Choice Requires="p14">
       <p:transition spd="slow">
         <p14:prism isContent="1"/>
       </p:transition>
     </mc:Choice>
-    <mc:Fallback>
+    <mc:Fallback xmlns="">
       <p:transition spd="slow">
         <p:fade/>
       </p:transition>
@@ -12784,7 +12904,7 @@
           <a:blip r:embed="rId3">
             <a:extLst>
               <a:ext uri="{28A0092B-C50C-407E-A947-70E740481C1C}">
-                <a14:useLocalDpi xmlns:a14="http://schemas.microsoft.com/office/drawing/2010/main" xmlns="" val="0"/>
+                <a14:useLocalDpi xmlns:a14="http://schemas.microsoft.com/office/drawing/2010/main" val="0"/>
               </a:ext>
             </a:extLst>
           </a:blip>
@@ -12829,7 +12949,7 @@
           <a:blip r:embed="rId4">
             <a:extLst>
               <a:ext uri="{28A0092B-C50C-407E-A947-70E740481C1C}">
-                <a14:useLocalDpi xmlns:a14="http://schemas.microsoft.com/office/drawing/2010/main" xmlns="" val="0"/>
+                <a14:useLocalDpi xmlns:a14="http://schemas.microsoft.com/office/drawing/2010/main" val="0"/>
               </a:ext>
             </a:extLst>
           </a:blip>
@@ -12863,20 +12983,20 @@
     </p:spTree>
     <p:extLst>
       <p:ext uri="{BB962C8B-B14F-4D97-AF65-F5344CB8AC3E}">
-        <p14:creationId xmlns:p14="http://schemas.microsoft.com/office/powerpoint/2010/main" xmlns="" val="3523793683"/>
+        <p14:creationId xmlns:p14="http://schemas.microsoft.com/office/powerpoint/2010/main" val="3523793683"/>
       </p:ext>
     </p:extLst>
   </p:cSld>
   <p:clrMapOvr>
     <a:masterClrMapping/>
   </p:clrMapOvr>
-  <mc:AlternateContent xmlns:mc="http://schemas.openxmlformats.org/markup-compatibility/2006">
-    <mc:Choice xmlns:p14="http://schemas.microsoft.com/office/powerpoint/2010/main" xmlns="" Requires="p14">
+  <mc:AlternateContent xmlns:mc="http://schemas.openxmlformats.org/markup-compatibility/2006" xmlns:p14="http://schemas.microsoft.com/office/powerpoint/2010/main">
+    <mc:Choice Requires="p14">
       <p:transition spd="slow">
         <p14:prism isContent="1"/>
       </p:transition>
     </mc:Choice>
-    <mc:Fallback>
+    <mc:Fallback xmlns="">
       <p:transition spd="slow">
         <p:fade/>
       </p:transition>
@@ -12952,7 +13072,7 @@
           <a:blip r:embed="rId2">
             <a:extLst>
               <a:ext uri="{28A0092B-C50C-407E-A947-70E740481C1C}">
-                <a14:useLocalDpi xmlns:a14="http://schemas.microsoft.com/office/drawing/2010/main" xmlns="" val="0"/>
+                <a14:useLocalDpi xmlns:a14="http://schemas.microsoft.com/office/drawing/2010/main" val="0"/>
               </a:ext>
             </a:extLst>
           </a:blip>
@@ -13082,20 +13202,20 @@
     </p:spTree>
     <p:extLst>
       <p:ext uri="{BB962C8B-B14F-4D97-AF65-F5344CB8AC3E}">
-        <p14:creationId xmlns:p14="http://schemas.microsoft.com/office/powerpoint/2010/main" xmlns="" val="283258761"/>
+        <p14:creationId xmlns:p14="http://schemas.microsoft.com/office/powerpoint/2010/main" val="283258761"/>
       </p:ext>
     </p:extLst>
   </p:cSld>
   <p:clrMapOvr>
     <a:masterClrMapping/>
   </p:clrMapOvr>
-  <mc:AlternateContent xmlns:mc="http://schemas.openxmlformats.org/markup-compatibility/2006">
-    <mc:Choice xmlns:p14="http://schemas.microsoft.com/office/powerpoint/2010/main" xmlns="" Requires="p14">
+  <mc:AlternateContent xmlns:mc="http://schemas.openxmlformats.org/markup-compatibility/2006" xmlns:p14="http://schemas.microsoft.com/office/powerpoint/2010/main">
+    <mc:Choice Requires="p14">
       <p:transition spd="slow">
         <p14:prism isContent="1"/>
       </p:transition>
     </mc:Choice>
-    <mc:Fallback>
+    <mc:Fallback xmlns="">
       <p:transition spd="slow">
         <p:fade/>
       </p:transition>
@@ -13169,7 +13289,7 @@
           <a:blip r:embed="rId2">
             <a:extLst>
               <a:ext uri="{28A0092B-C50C-407E-A947-70E740481C1C}">
-                <a14:useLocalDpi xmlns:a14="http://schemas.microsoft.com/office/drawing/2010/main" xmlns="" val="0"/>
+                <a14:useLocalDpi xmlns:a14="http://schemas.microsoft.com/office/drawing/2010/main" val="0"/>
               </a:ext>
             </a:extLst>
           </a:blip>
@@ -13189,7 +13309,7 @@
           <a:noFill/>
           <a:extLst>
             <a:ext uri="{909E8E84-426E-40DD-AFC4-6F175D3DCCD1}">
-              <a14:hiddenFill xmlns:a14="http://schemas.microsoft.com/office/drawing/2010/main" xmlns="">
+              <a14:hiddenFill xmlns:a14="http://schemas.microsoft.com/office/drawing/2010/main">
                 <a:solidFill>
                   <a:srgbClr val="FFFFFF"/>
                 </a:solidFill>
@@ -13201,20 +13321,20 @@
     </p:spTree>
     <p:extLst>
       <p:ext uri="{BB962C8B-B14F-4D97-AF65-F5344CB8AC3E}">
-        <p14:creationId xmlns:p14="http://schemas.microsoft.com/office/powerpoint/2010/main" xmlns="" val="418559076"/>
+        <p14:creationId xmlns:p14="http://schemas.microsoft.com/office/powerpoint/2010/main" val="418559076"/>
       </p:ext>
     </p:extLst>
   </p:cSld>
   <p:clrMapOvr>
     <a:masterClrMapping/>
   </p:clrMapOvr>
-  <mc:AlternateContent xmlns:mc="http://schemas.openxmlformats.org/markup-compatibility/2006">
-    <mc:Choice xmlns:p14="http://schemas.microsoft.com/office/powerpoint/2010/main" xmlns="" Requires="p14">
+  <mc:AlternateContent xmlns:mc="http://schemas.openxmlformats.org/markup-compatibility/2006" xmlns:p14="http://schemas.microsoft.com/office/powerpoint/2010/main">
+    <mc:Choice Requires="p14">
       <p:transition spd="slow">
         <p14:prism isContent="1"/>
       </p:transition>
     </mc:Choice>
-    <mc:Fallback>
+    <mc:Fallback xmlns="">
       <p:transition spd="slow">
         <p:fade/>
       </p:transition>
@@ -13478,7 +13598,7 @@
   <a:extraClrSchemeLst/>
   <a:extLst>
     <a:ext uri="{05A4C25C-085E-4340-85A3-A5531E510DB2}">
-      <thm15:themeFamily xmlns:thm15="http://schemas.microsoft.com/office/thememl/2012/main" xmlns="" name="Berlin" id="{7B5DBA9E-B069-418E-9360-A61BDD0615A4}" vid="{C0CBE056-4EF4-4D92-969E-947779DA7AAA}"/>
+      <thm15:themeFamily xmlns:thm15="http://schemas.microsoft.com/office/thememl/2012/main" name="Berlin" id="{7B5DBA9E-B069-418E-9360-A61BDD0615A4}" vid="{C0CBE056-4EF4-4D92-969E-947779DA7AAA}"/>
     </a:ext>
   </a:extLst>
 </a:theme>
@@ -13739,7 +13859,7 @@
   <a:extraClrSchemeLst/>
   <a:extLst>
     <a:ext uri="{05A4C25C-085E-4340-85A3-A5531E510DB2}">
-      <thm15:themeFamily xmlns:thm15="http://schemas.microsoft.com/office/thememl/2012/main" xmlns="" name="Office Theme" id="{62F939B6-93AF-4DB8-9C6B-D6C7DFDC589F}" vid="{4A3C46E8-61CC-4603-A589-7422A47A8E4A}"/>
+      <thm15:themeFamily xmlns:thm15="http://schemas.microsoft.com/office/thememl/2012/main" name="Office Theme" id="{62F939B6-93AF-4DB8-9C6B-D6C7DFDC589F}" vid="{4A3C46E8-61CC-4603-A589-7422A47A8E4A}"/>
     </a:ext>
   </a:extLst>
 </a:theme>
@@ -14000,7 +14120,7 @@
   <a:extraClrSchemeLst/>
   <a:extLst>
     <a:ext uri="{05A4C25C-085E-4340-85A3-A5531E510DB2}">
-      <thm15:themeFamily xmlns:thm15="http://schemas.microsoft.com/office/thememl/2012/main" xmlns="" name="Office Theme" id="{62F939B6-93AF-4DB8-9C6B-D6C7DFDC589F}" vid="{4A3C46E8-61CC-4603-A589-7422A47A8E4A}"/>
+      <thm15:themeFamily xmlns:thm15="http://schemas.microsoft.com/office/thememl/2012/main" name="Office Theme" id="{62F939B6-93AF-4DB8-9C6B-D6C7DFDC589F}" vid="{4A3C46E8-61CC-4603-A589-7422A47A8E4A}"/>
     </a:ext>
   </a:extLst>
 </a:theme>
